--- a/DOCS/FelineX.pptx
+++ b/DOCS/FelineX.pptx
@@ -6,10 +6,12 @@
   </p:sldMasterIdLst>
   <p:sldIdLst>
     <p:sldId id="256" r:id="rId2"/>
-    <p:sldId id="258" r:id="rId3"/>
-    <p:sldId id="259" r:id="rId4"/>
-    <p:sldId id="260" r:id="rId5"/>
-    <p:sldId id="261" r:id="rId6"/>
+    <p:sldId id="263" r:id="rId3"/>
+    <p:sldId id="258" r:id="rId4"/>
+    <p:sldId id="259" r:id="rId5"/>
+    <p:sldId id="262" r:id="rId6"/>
+    <p:sldId id="260" r:id="rId7"/>
+    <p:sldId id="261" r:id="rId8"/>
   </p:sldIdLst>
   <p:sldSz cx="12192000" cy="6858000"/>
   <p:notesSz cx="6858000" cy="9144000"/>
@@ -480,6 +482,230 @@
 </inkml:ink>
 </file>
 
+<file path=ppt/ink/ink21.xml><?xml version="1.0" encoding="utf-8"?>
+<inkml:ink xmlns:inkml="http://www.w3.org/2003/InkML">
+  <inkml:definitions>
+    <inkml:context xml:id="ctx0">
+      <inkml:inkSource xml:id="inkSrc0">
+        <inkml:traceFormat>
+          <inkml:channel name="X" type="integer" min="-2.14748E9" max="2.14748E9" units="cm"/>
+          <inkml:channel name="Y" type="integer" min="-2.14748E9" max="2.14748E9" units="cm"/>
+          <inkml:channel name="F" type="integer" max="32767" units="dev"/>
+        </inkml:traceFormat>
+        <inkml:channelProperties>
+          <inkml:channelProperty channel="X" name="resolution" value="1000" units="1/cm"/>
+          <inkml:channelProperty channel="Y" name="resolution" value="1000" units="1/cm"/>
+          <inkml:channelProperty channel="F" name="resolution" value="0" units="1/dev"/>
+        </inkml:channelProperties>
+      </inkml:inkSource>
+      <inkml:timestamp xml:id="ts0" timeString="2024-02-21T13:29:20.055"/>
+    </inkml:context>
+    <inkml:brush xml:id="br0">
+      <inkml:brushProperty name="width" value="0.1" units="cm"/>
+      <inkml:brushProperty name="height" value="0.1" units="cm"/>
+      <inkml:brushProperty name="color" value="#000066"/>
+    </inkml:brush>
+  </inkml:definitions>
+  <inkml:trace contextRef="#ctx0" brushRef="#br0">0 1 24575,'0'0'-8191</inkml:trace>
+</inkml:ink>
+</file>
+
+<file path=ppt/ink/ink22.xml><?xml version="1.0" encoding="utf-8"?>
+<inkml:ink xmlns:inkml="http://www.w3.org/2003/InkML">
+  <inkml:definitions>
+    <inkml:context xml:id="ctx0">
+      <inkml:inkSource xml:id="inkSrc0">
+        <inkml:traceFormat>
+          <inkml:channel name="X" type="integer" min="-2.14748E9" max="2.14748E9" units="cm"/>
+          <inkml:channel name="Y" type="integer" min="-2.14748E9" max="2.14748E9" units="cm"/>
+          <inkml:channel name="F" type="integer" max="32767" units="dev"/>
+        </inkml:traceFormat>
+        <inkml:channelProperties>
+          <inkml:channelProperty channel="X" name="resolution" value="1000" units="1/cm"/>
+          <inkml:channelProperty channel="Y" name="resolution" value="1000" units="1/cm"/>
+          <inkml:channelProperty channel="F" name="resolution" value="0" units="1/dev"/>
+        </inkml:channelProperties>
+      </inkml:inkSource>
+      <inkml:timestamp xml:id="ts0" timeString="2024-02-21T13:30:20.137"/>
+    </inkml:context>
+    <inkml:brush xml:id="br0">
+      <inkml:brushProperty name="width" value="0.1" units="cm"/>
+      <inkml:brushProperty name="height" value="0.1" units="cm"/>
+      <inkml:brushProperty name="color" value="#000026"/>
+    </inkml:brush>
+  </inkml:definitions>
+  <inkml:trace contextRef="#ctx0" brushRef="#br0">1 0 24575,'0'0'-8191</inkml:trace>
+</inkml:ink>
+</file>
+
+<file path=ppt/ink/ink23.xml><?xml version="1.0" encoding="utf-8"?>
+<inkml:ink xmlns:inkml="http://www.w3.org/2003/InkML">
+  <inkml:definitions>
+    <inkml:context xml:id="ctx0">
+      <inkml:inkSource xml:id="inkSrc0">
+        <inkml:traceFormat>
+          <inkml:channel name="X" type="integer" min="-2.14748E9" max="2.14748E9" units="cm"/>
+          <inkml:channel name="Y" type="integer" min="-2.14748E9" max="2.14748E9" units="cm"/>
+          <inkml:channel name="F" type="integer" max="32767" units="dev"/>
+        </inkml:traceFormat>
+        <inkml:channelProperties>
+          <inkml:channelProperty channel="X" name="resolution" value="1000" units="1/cm"/>
+          <inkml:channelProperty channel="Y" name="resolution" value="1000" units="1/cm"/>
+          <inkml:channelProperty channel="F" name="resolution" value="0" units="1/dev"/>
+        </inkml:channelProperties>
+      </inkml:inkSource>
+      <inkml:timestamp xml:id="ts0" timeString="2024-02-21T13:30:21.798"/>
+    </inkml:context>
+    <inkml:brush xml:id="br0">
+      <inkml:brushProperty name="width" value="0.1" units="cm"/>
+      <inkml:brushProperty name="height" value="0.1" units="cm"/>
+      <inkml:brushProperty name="color" value="#000026"/>
+    </inkml:brush>
+  </inkml:definitions>
+  <inkml:trace contextRef="#ctx0" brushRef="#br0">1 0 24575,'0'0'-8191</inkml:trace>
+</inkml:ink>
+</file>
+
+<file path=ppt/ink/ink24.xml><?xml version="1.0" encoding="utf-8"?>
+<inkml:ink xmlns:inkml="http://www.w3.org/2003/InkML">
+  <inkml:definitions>
+    <inkml:context xml:id="ctx0">
+      <inkml:inkSource xml:id="inkSrc0">
+        <inkml:traceFormat>
+          <inkml:channel name="X" type="integer" min="-2.14748E9" max="2.14748E9" units="cm"/>
+          <inkml:channel name="Y" type="integer" min="-2.14748E9" max="2.14748E9" units="cm"/>
+          <inkml:channel name="F" type="integer" max="32767" units="dev"/>
+        </inkml:traceFormat>
+        <inkml:channelProperties>
+          <inkml:channelProperty channel="X" name="resolution" value="1000" units="1/cm"/>
+          <inkml:channelProperty channel="Y" name="resolution" value="1000" units="1/cm"/>
+          <inkml:channelProperty channel="F" name="resolution" value="0" units="1/dev"/>
+        </inkml:channelProperties>
+      </inkml:inkSource>
+      <inkml:timestamp xml:id="ts0" timeString="2024-02-21T13:30:22.850"/>
+    </inkml:context>
+    <inkml:brush xml:id="br0">
+      <inkml:brushProperty name="width" value="0.1" units="cm"/>
+      <inkml:brushProperty name="height" value="0.1" units="cm"/>
+      <inkml:brushProperty name="color" value="#000026"/>
+    </inkml:brush>
+  </inkml:definitions>
+  <inkml:trace contextRef="#ctx0" brushRef="#br0">1 0 24575,'0'0'-8191</inkml:trace>
+</inkml:ink>
+</file>
+
+<file path=ppt/ink/ink25.xml><?xml version="1.0" encoding="utf-8"?>
+<inkml:ink xmlns:inkml="http://www.w3.org/2003/InkML">
+  <inkml:definitions>
+    <inkml:context xml:id="ctx0">
+      <inkml:inkSource xml:id="inkSrc0">
+        <inkml:traceFormat>
+          <inkml:channel name="X" type="integer" min="-2.14748E9" max="2.14748E9" units="cm"/>
+          <inkml:channel name="Y" type="integer" min="-2.14748E9" max="2.14748E9" units="cm"/>
+          <inkml:channel name="F" type="integer" max="32767" units="dev"/>
+        </inkml:traceFormat>
+        <inkml:channelProperties>
+          <inkml:channelProperty channel="X" name="resolution" value="1000" units="1/cm"/>
+          <inkml:channelProperty channel="Y" name="resolution" value="1000" units="1/cm"/>
+          <inkml:channelProperty channel="F" name="resolution" value="0" units="1/dev"/>
+        </inkml:channelProperties>
+      </inkml:inkSource>
+      <inkml:timestamp xml:id="ts0" timeString="2024-02-21T13:29:20.055"/>
+    </inkml:context>
+    <inkml:brush xml:id="br0">
+      <inkml:brushProperty name="width" value="0.1" units="cm"/>
+      <inkml:brushProperty name="height" value="0.1" units="cm"/>
+      <inkml:brushProperty name="color" value="#000066"/>
+    </inkml:brush>
+  </inkml:definitions>
+  <inkml:trace contextRef="#ctx0" brushRef="#br0">0 1 24575,'0'0'-8191</inkml:trace>
+</inkml:ink>
+</file>
+
+<file path=ppt/ink/ink26.xml><?xml version="1.0" encoding="utf-8"?>
+<inkml:ink xmlns:inkml="http://www.w3.org/2003/InkML">
+  <inkml:definitions>
+    <inkml:context xml:id="ctx0">
+      <inkml:inkSource xml:id="inkSrc0">
+        <inkml:traceFormat>
+          <inkml:channel name="X" type="integer" min="-2.14748E9" max="2.14748E9" units="cm"/>
+          <inkml:channel name="Y" type="integer" min="-2.14748E9" max="2.14748E9" units="cm"/>
+          <inkml:channel name="F" type="integer" max="32767" units="dev"/>
+        </inkml:traceFormat>
+        <inkml:channelProperties>
+          <inkml:channelProperty channel="X" name="resolution" value="1000" units="1/cm"/>
+          <inkml:channelProperty channel="Y" name="resolution" value="1000" units="1/cm"/>
+          <inkml:channelProperty channel="F" name="resolution" value="0" units="1/dev"/>
+        </inkml:channelProperties>
+      </inkml:inkSource>
+      <inkml:timestamp xml:id="ts0" timeString="2024-02-21T13:30:20.137"/>
+    </inkml:context>
+    <inkml:brush xml:id="br0">
+      <inkml:brushProperty name="width" value="0.1" units="cm"/>
+      <inkml:brushProperty name="height" value="0.1" units="cm"/>
+      <inkml:brushProperty name="color" value="#000026"/>
+    </inkml:brush>
+  </inkml:definitions>
+  <inkml:trace contextRef="#ctx0" brushRef="#br0">1 0 24575,'0'0'-8191</inkml:trace>
+</inkml:ink>
+</file>
+
+<file path=ppt/ink/ink27.xml><?xml version="1.0" encoding="utf-8"?>
+<inkml:ink xmlns:inkml="http://www.w3.org/2003/InkML">
+  <inkml:definitions>
+    <inkml:context xml:id="ctx0">
+      <inkml:inkSource xml:id="inkSrc0">
+        <inkml:traceFormat>
+          <inkml:channel name="X" type="integer" min="-2.14748E9" max="2.14748E9" units="cm"/>
+          <inkml:channel name="Y" type="integer" min="-2.14748E9" max="2.14748E9" units="cm"/>
+          <inkml:channel name="F" type="integer" max="32767" units="dev"/>
+        </inkml:traceFormat>
+        <inkml:channelProperties>
+          <inkml:channelProperty channel="X" name="resolution" value="1000" units="1/cm"/>
+          <inkml:channelProperty channel="Y" name="resolution" value="1000" units="1/cm"/>
+          <inkml:channelProperty channel="F" name="resolution" value="0" units="1/dev"/>
+        </inkml:channelProperties>
+      </inkml:inkSource>
+      <inkml:timestamp xml:id="ts0" timeString="2024-02-21T13:30:21.798"/>
+    </inkml:context>
+    <inkml:brush xml:id="br0">
+      <inkml:brushProperty name="width" value="0.1" units="cm"/>
+      <inkml:brushProperty name="height" value="0.1" units="cm"/>
+      <inkml:brushProperty name="color" value="#000026"/>
+    </inkml:brush>
+  </inkml:definitions>
+  <inkml:trace contextRef="#ctx0" brushRef="#br0">1 0 24575,'0'0'-8191</inkml:trace>
+</inkml:ink>
+</file>
+
+<file path=ppt/ink/ink28.xml><?xml version="1.0" encoding="utf-8"?>
+<inkml:ink xmlns:inkml="http://www.w3.org/2003/InkML">
+  <inkml:definitions>
+    <inkml:context xml:id="ctx0">
+      <inkml:inkSource xml:id="inkSrc0">
+        <inkml:traceFormat>
+          <inkml:channel name="X" type="integer" min="-2.14748E9" max="2.14748E9" units="cm"/>
+          <inkml:channel name="Y" type="integer" min="-2.14748E9" max="2.14748E9" units="cm"/>
+          <inkml:channel name="F" type="integer" max="32767" units="dev"/>
+        </inkml:traceFormat>
+        <inkml:channelProperties>
+          <inkml:channelProperty channel="X" name="resolution" value="1000" units="1/cm"/>
+          <inkml:channelProperty channel="Y" name="resolution" value="1000" units="1/cm"/>
+          <inkml:channelProperty channel="F" name="resolution" value="0" units="1/dev"/>
+        </inkml:channelProperties>
+      </inkml:inkSource>
+      <inkml:timestamp xml:id="ts0" timeString="2024-02-21T13:30:22.850"/>
+    </inkml:context>
+    <inkml:brush xml:id="br0">
+      <inkml:brushProperty name="width" value="0.1" units="cm"/>
+      <inkml:brushProperty name="height" value="0.1" units="cm"/>
+      <inkml:brushProperty name="color" value="#000026"/>
+    </inkml:brush>
+  </inkml:definitions>
+  <inkml:trace contextRef="#ctx0" brushRef="#br0">1 0 24575,'0'0'-8191</inkml:trace>
+</inkml:ink>
+</file>
+
 <file path=ppt/ink/ink3.xml><?xml version="1.0" encoding="utf-8"?>
 <inkml:ink xmlns:inkml="http://www.w3.org/2003/InkML">
   <inkml:definitions>
@@ -823,7 +1049,7 @@
           <a:p>
             <a:fld id="{BFE4DC40-4C79-4CA8-AC42-57A04CD00207}" type="datetimeFigureOut">
               <a:rPr lang="ru-RU" smtClean="0"/>
-              <a:t>21.02.2024</a:t>
+              <a:t>28.02.2024</a:t>
             </a:fld>
             <a:endParaRPr lang="ru-RU"/>
           </a:p>
@@ -1021,7 +1247,7 @@
           <a:p>
             <a:fld id="{BFE4DC40-4C79-4CA8-AC42-57A04CD00207}" type="datetimeFigureOut">
               <a:rPr lang="ru-RU" smtClean="0"/>
-              <a:t>21.02.2024</a:t>
+              <a:t>28.02.2024</a:t>
             </a:fld>
             <a:endParaRPr lang="ru-RU"/>
           </a:p>
@@ -1229,7 +1455,7 @@
           <a:p>
             <a:fld id="{BFE4DC40-4C79-4CA8-AC42-57A04CD00207}" type="datetimeFigureOut">
               <a:rPr lang="ru-RU" smtClean="0"/>
-              <a:t>21.02.2024</a:t>
+              <a:t>28.02.2024</a:t>
             </a:fld>
             <a:endParaRPr lang="ru-RU"/>
           </a:p>
@@ -1427,7 +1653,7 @@
           <a:p>
             <a:fld id="{BFE4DC40-4C79-4CA8-AC42-57A04CD00207}" type="datetimeFigureOut">
               <a:rPr lang="ru-RU" smtClean="0"/>
-              <a:t>21.02.2024</a:t>
+              <a:t>28.02.2024</a:t>
             </a:fld>
             <a:endParaRPr lang="ru-RU"/>
           </a:p>
@@ -1702,7 +1928,7 @@
           <a:p>
             <a:fld id="{BFE4DC40-4C79-4CA8-AC42-57A04CD00207}" type="datetimeFigureOut">
               <a:rPr lang="ru-RU" smtClean="0"/>
-              <a:t>21.02.2024</a:t>
+              <a:t>28.02.2024</a:t>
             </a:fld>
             <a:endParaRPr lang="ru-RU"/>
           </a:p>
@@ -1967,7 +2193,7 @@
           <a:p>
             <a:fld id="{BFE4DC40-4C79-4CA8-AC42-57A04CD00207}" type="datetimeFigureOut">
               <a:rPr lang="ru-RU" smtClean="0"/>
-              <a:t>21.02.2024</a:t>
+              <a:t>28.02.2024</a:t>
             </a:fld>
             <a:endParaRPr lang="ru-RU"/>
           </a:p>
@@ -2379,7 +2605,7 @@
           <a:p>
             <a:fld id="{BFE4DC40-4C79-4CA8-AC42-57A04CD00207}" type="datetimeFigureOut">
               <a:rPr lang="ru-RU" smtClean="0"/>
-              <a:t>21.02.2024</a:t>
+              <a:t>28.02.2024</a:t>
             </a:fld>
             <a:endParaRPr lang="ru-RU"/>
           </a:p>
@@ -2520,7 +2746,7 @@
           <a:p>
             <a:fld id="{BFE4DC40-4C79-4CA8-AC42-57A04CD00207}" type="datetimeFigureOut">
               <a:rPr lang="ru-RU" smtClean="0"/>
-              <a:t>21.02.2024</a:t>
+              <a:t>28.02.2024</a:t>
             </a:fld>
             <a:endParaRPr lang="ru-RU"/>
           </a:p>
@@ -2633,7 +2859,7 @@
           <a:p>
             <a:fld id="{BFE4DC40-4C79-4CA8-AC42-57A04CD00207}" type="datetimeFigureOut">
               <a:rPr lang="ru-RU" smtClean="0"/>
-              <a:t>21.02.2024</a:t>
+              <a:t>28.02.2024</a:t>
             </a:fld>
             <a:endParaRPr lang="ru-RU"/>
           </a:p>
@@ -2944,7 +3170,7 @@
           <a:p>
             <a:fld id="{BFE4DC40-4C79-4CA8-AC42-57A04CD00207}" type="datetimeFigureOut">
               <a:rPr lang="ru-RU" smtClean="0"/>
-              <a:t>21.02.2024</a:t>
+              <a:t>28.02.2024</a:t>
             </a:fld>
             <a:endParaRPr lang="ru-RU"/>
           </a:p>
@@ -3232,7 +3458,7 @@
           <a:p>
             <a:fld id="{BFE4DC40-4C79-4CA8-AC42-57A04CD00207}" type="datetimeFigureOut">
               <a:rPr lang="ru-RU" smtClean="0"/>
-              <a:t>21.02.2024</a:t>
+              <a:t>28.02.2024</a:t>
             </a:fld>
             <a:endParaRPr lang="ru-RU"/>
           </a:p>
@@ -3476,7 +3702,7 @@
           <a:p>
             <a:fld id="{BFE4DC40-4C79-4CA8-AC42-57A04CD00207}" type="datetimeFigureOut">
               <a:rPr lang="ru-RU" smtClean="0"/>
-              <a:t>21.02.2024</a:t>
+              <a:t>28.02.2024</a:t>
             </a:fld>
             <a:endParaRPr lang="ru-RU"/>
           </a:p>
@@ -4585,6 +4811,1055 @@
 <file path=ppt/slides/slide2.xml><?xml version="1.0" encoding="utf-8"?>
 <p:sld xmlns:a="http://schemas.openxmlformats.org/drawingml/2006/main" xmlns:r="http://schemas.openxmlformats.org/officeDocument/2006/relationships" xmlns:p="http://schemas.openxmlformats.org/presentationml/2006/main">
   <p:cSld>
+    <p:bg>
+      <p:bgPr>
+        <a:solidFill>
+          <a:srgbClr val="DDE8FF"/>
+        </a:solidFill>
+        <a:effectLst/>
+      </p:bgPr>
+    </p:bg>
+    <p:spTree>
+      <p:nvGrpSpPr>
+        <p:cNvPr id="1" name="">
+          <a:extLst>
+            <a:ext uri="{FF2B5EF4-FFF2-40B4-BE49-F238E27FC236}">
+              <a16:creationId xmlns:a16="http://schemas.microsoft.com/office/drawing/2014/main" id="{DD254C6A-C908-BF65-FD98-C7E438CD8606}"/>
+            </a:ext>
+          </a:extLst>
+        </p:cNvPr>
+        <p:cNvGrpSpPr/>
+        <p:nvPr/>
+      </p:nvGrpSpPr>
+      <p:grpSpPr>
+        <a:xfrm>
+          <a:off x="0" y="0"/>
+          <a:ext cx="0" cy="0"/>
+          <a:chOff x="0" y="0"/>
+          <a:chExt cx="0" cy="0"/>
+        </a:xfrm>
+      </p:grpSpPr>
+      <p:sp>
+        <p:nvSpPr>
+          <p:cNvPr id="5" name="Прямоугольник 4">
+            <a:extLst>
+              <a:ext uri="{FF2B5EF4-FFF2-40B4-BE49-F238E27FC236}">
+                <a16:creationId xmlns:a16="http://schemas.microsoft.com/office/drawing/2014/main" id="{093D21B0-A73F-4C04-5AE2-E2F646D1B54F}"/>
+              </a:ext>
+            </a:extLst>
+          </p:cNvPr>
+          <p:cNvSpPr/>
+          <p:nvPr/>
+        </p:nvSpPr>
+        <p:spPr>
+          <a:xfrm>
+            <a:off x="0" y="1"/>
+            <a:ext cx="12192000" cy="746760"/>
+          </a:xfrm>
+          <a:prstGeom prst="rect">
+            <a:avLst/>
+          </a:prstGeom>
+          <a:gradFill flip="none" rotWithShape="1">
+            <a:gsLst>
+              <a:gs pos="24000">
+                <a:srgbClr val="000066"/>
+              </a:gs>
+              <a:gs pos="100000">
+                <a:srgbClr val="672C94"/>
+              </a:gs>
+              <a:gs pos="100000">
+                <a:schemeClr val="accent1">
+                  <a:tint val="23500"/>
+                  <a:satMod val="160000"/>
+                </a:schemeClr>
+              </a:gs>
+            </a:gsLst>
+            <a:lin ang="5400000" scaled="1"/>
+            <a:tileRect/>
+          </a:gradFill>
+        </p:spPr>
+        <p:style>
+          <a:lnRef idx="2">
+            <a:schemeClr val="accent1">
+              <a:shade val="15000"/>
+            </a:schemeClr>
+          </a:lnRef>
+          <a:fillRef idx="1">
+            <a:schemeClr val="accent1"/>
+          </a:fillRef>
+          <a:effectRef idx="0">
+            <a:schemeClr val="accent1"/>
+          </a:effectRef>
+          <a:fontRef idx="minor">
+            <a:schemeClr val="lt1"/>
+          </a:fontRef>
+        </p:style>
+        <p:txBody>
+          <a:bodyPr rtlCol="0" anchor="ctr"/>
+          <a:lstStyle/>
+          <a:p>
+            <a:pPr algn="ctr"/>
+            <a:endParaRPr lang="ru-RU"/>
+          </a:p>
+        </p:txBody>
+      </p:sp>
+      <p:cxnSp>
+        <p:nvCxnSpPr>
+          <p:cNvPr id="17" name="Прямая соединительная линия 16">
+            <a:extLst>
+              <a:ext uri="{FF2B5EF4-FFF2-40B4-BE49-F238E27FC236}">
+                <a16:creationId xmlns:a16="http://schemas.microsoft.com/office/drawing/2014/main" id="{B4B5D208-7A6A-B750-1CE4-5F1111A78ABB}"/>
+              </a:ext>
+            </a:extLst>
+          </p:cNvPr>
+          <p:cNvCxnSpPr>
+            <a:cxnSpLocks/>
+          </p:cNvCxnSpPr>
+          <p:nvPr/>
+        </p:nvCxnSpPr>
+        <p:spPr>
+          <a:xfrm>
+            <a:off x="0" y="746761"/>
+            <a:ext cx="12192000" cy="0"/>
+          </a:xfrm>
+          <a:prstGeom prst="line">
+            <a:avLst/>
+          </a:prstGeom>
+          <a:ln w="38100">
+            <a:solidFill>
+              <a:srgbClr val="00003A"/>
+            </a:solidFill>
+          </a:ln>
+        </p:spPr>
+        <p:style>
+          <a:lnRef idx="2">
+            <a:schemeClr val="accent1"/>
+          </a:lnRef>
+          <a:fillRef idx="0">
+            <a:schemeClr val="accent1"/>
+          </a:fillRef>
+          <a:effectRef idx="1">
+            <a:schemeClr val="accent1"/>
+          </a:effectRef>
+          <a:fontRef idx="minor">
+            <a:schemeClr val="tx1"/>
+          </a:fontRef>
+        </p:style>
+      </p:cxnSp>
+      <mc:AlternateContent xmlns:mc="http://schemas.openxmlformats.org/markup-compatibility/2006" xmlns:p14="http://schemas.microsoft.com/office/powerpoint/2010/main">
+        <mc:Choice Requires="p14">
+          <p:contentPart p14:bwMode="auto" r:id="rId2">
+            <p14:nvContentPartPr>
+              <p14:cNvPr id="25" name="Рукописный ввод 24">
+                <a:extLst>
+                  <a:ext uri="{FF2B5EF4-FFF2-40B4-BE49-F238E27FC236}">
+                    <a16:creationId xmlns:a16="http://schemas.microsoft.com/office/drawing/2014/main" id="{843CAD0B-21EF-4BDD-0C44-F0B588DD84DC}"/>
+                  </a:ext>
+                </a:extLst>
+              </p14:cNvPr>
+              <p14:cNvContentPartPr/>
+              <p14:nvPr/>
+            </p14:nvContentPartPr>
+            <p14:xfrm>
+              <a:off x="10698000" y="192400"/>
+              <a:ext cx="360" cy="360"/>
+            </p14:xfrm>
+          </p:contentPart>
+        </mc:Choice>
+        <mc:Fallback xmlns="">
+          <p:pic>
+            <p:nvPicPr>
+              <p:cNvPr id="25" name="Рукописный ввод 24">
+                <a:extLst>
+                  <a:ext uri="{FF2B5EF4-FFF2-40B4-BE49-F238E27FC236}">
+                    <a16:creationId xmlns:a16="http://schemas.microsoft.com/office/drawing/2014/main" id="{BB1C328C-A490-90F8-BF0F-DB0C88C8C073}"/>
+                  </a:ext>
+                </a:extLst>
+              </p:cNvPr>
+              <p:cNvPicPr/>
+              <p:nvPr/>
+            </p:nvPicPr>
+            <p:blipFill>
+              <a:blip r:embed="rId3"/>
+              <a:stretch>
+                <a:fillRect/>
+              </a:stretch>
+            </p:blipFill>
+            <p:spPr>
+              <a:xfrm>
+                <a:off x="10680000" y="174760"/>
+                <a:ext cx="36000" cy="36000"/>
+              </a:xfrm>
+              <a:prstGeom prst="rect">
+                <a:avLst/>
+              </a:prstGeom>
+            </p:spPr>
+          </p:pic>
+        </mc:Fallback>
+      </mc:AlternateContent>
+      <mc:AlternateContent xmlns:mc="http://schemas.openxmlformats.org/markup-compatibility/2006" xmlns:p14="http://schemas.microsoft.com/office/powerpoint/2010/main">
+        <mc:Choice Requires="p14">
+          <p:contentPart p14:bwMode="auto" r:id="rId4">
+            <p14:nvContentPartPr>
+              <p14:cNvPr id="35" name="Рукописный ввод 34">
+                <a:extLst>
+                  <a:ext uri="{FF2B5EF4-FFF2-40B4-BE49-F238E27FC236}">
+                    <a16:creationId xmlns:a16="http://schemas.microsoft.com/office/drawing/2014/main" id="{DD493111-17A9-B303-8AFC-DA970ECCFC30}"/>
+                  </a:ext>
+                </a:extLst>
+              </p14:cNvPr>
+              <p14:cNvContentPartPr/>
+              <p14:nvPr/>
+            </p14:nvContentPartPr>
+            <p14:xfrm>
+              <a:off x="10748760" y="284200"/>
+              <a:ext cx="360" cy="360"/>
+            </p14:xfrm>
+          </p:contentPart>
+        </mc:Choice>
+        <mc:Fallback xmlns="">
+          <p:pic>
+            <p:nvPicPr>
+              <p:cNvPr id="35" name="Рукописный ввод 34">
+                <a:extLst>
+                  <a:ext uri="{FF2B5EF4-FFF2-40B4-BE49-F238E27FC236}">
+                    <a16:creationId xmlns:a16="http://schemas.microsoft.com/office/drawing/2014/main" id="{500E9AAE-F8D7-CA83-2204-B758DA11EF46}"/>
+                  </a:ext>
+                </a:extLst>
+              </p:cNvPr>
+              <p:cNvPicPr/>
+              <p:nvPr/>
+            </p:nvPicPr>
+            <p:blipFill>
+              <a:blip r:embed="rId5"/>
+              <a:stretch>
+                <a:fillRect/>
+              </a:stretch>
+            </p:blipFill>
+            <p:spPr>
+              <a:xfrm>
+                <a:off x="10731120" y="266200"/>
+                <a:ext cx="36000" cy="36000"/>
+              </a:xfrm>
+              <a:prstGeom prst="rect">
+                <a:avLst/>
+              </a:prstGeom>
+            </p:spPr>
+          </p:pic>
+        </mc:Fallback>
+      </mc:AlternateContent>
+      <mc:AlternateContent xmlns:mc="http://schemas.openxmlformats.org/markup-compatibility/2006" xmlns:p14="http://schemas.microsoft.com/office/powerpoint/2010/main">
+        <mc:Choice Requires="p14">
+          <p:contentPart p14:bwMode="auto" r:id="rId6">
+            <p14:nvContentPartPr>
+              <p14:cNvPr id="36" name="Рукописный ввод 35">
+                <a:extLst>
+                  <a:ext uri="{FF2B5EF4-FFF2-40B4-BE49-F238E27FC236}">
+                    <a16:creationId xmlns:a16="http://schemas.microsoft.com/office/drawing/2014/main" id="{48EA8EDD-7523-9632-FD4A-4D9AA6984BC5}"/>
+                  </a:ext>
+                </a:extLst>
+              </p14:cNvPr>
+              <p14:cNvContentPartPr/>
+              <p14:nvPr/>
+            </p14:nvContentPartPr>
+            <p14:xfrm>
+              <a:off x="10748760" y="386080"/>
+              <a:ext cx="360" cy="360"/>
+            </p14:xfrm>
+          </p:contentPart>
+        </mc:Choice>
+        <mc:Fallback xmlns="">
+          <p:pic>
+            <p:nvPicPr>
+              <p:cNvPr id="36" name="Рукописный ввод 35">
+                <a:extLst>
+                  <a:ext uri="{FF2B5EF4-FFF2-40B4-BE49-F238E27FC236}">
+                    <a16:creationId xmlns:a16="http://schemas.microsoft.com/office/drawing/2014/main" id="{7B7969B2-7670-116B-E566-7FDDC3D95DAA}"/>
+                  </a:ext>
+                </a:extLst>
+              </p:cNvPr>
+              <p:cNvPicPr/>
+              <p:nvPr/>
+            </p:nvPicPr>
+            <p:blipFill>
+              <a:blip r:embed="rId5"/>
+              <a:stretch>
+                <a:fillRect/>
+              </a:stretch>
+            </p:blipFill>
+            <p:spPr>
+              <a:xfrm>
+                <a:off x="10731120" y="368080"/>
+                <a:ext cx="36000" cy="36000"/>
+              </a:xfrm>
+              <a:prstGeom prst="rect">
+                <a:avLst/>
+              </a:prstGeom>
+            </p:spPr>
+          </p:pic>
+        </mc:Fallback>
+      </mc:AlternateContent>
+      <mc:AlternateContent xmlns:mc="http://schemas.openxmlformats.org/markup-compatibility/2006" xmlns:p14="http://schemas.microsoft.com/office/powerpoint/2010/main">
+        <mc:Choice Requires="p14">
+          <p:contentPart p14:bwMode="auto" r:id="rId7">
+            <p14:nvContentPartPr>
+              <p14:cNvPr id="37" name="Рукописный ввод 36">
+                <a:extLst>
+                  <a:ext uri="{FF2B5EF4-FFF2-40B4-BE49-F238E27FC236}">
+                    <a16:creationId xmlns:a16="http://schemas.microsoft.com/office/drawing/2014/main" id="{4B589A85-C652-2F25-B728-4F6F923B728E}"/>
+                  </a:ext>
+                </a:extLst>
+              </p14:cNvPr>
+              <p14:cNvContentPartPr/>
+              <p14:nvPr/>
+            </p14:nvContentPartPr>
+            <p14:xfrm>
+              <a:off x="10768920" y="497320"/>
+              <a:ext cx="360" cy="360"/>
+            </p14:xfrm>
+          </p:contentPart>
+        </mc:Choice>
+        <mc:Fallback xmlns="">
+          <p:pic>
+            <p:nvPicPr>
+              <p:cNvPr id="37" name="Рукописный ввод 36">
+                <a:extLst>
+                  <a:ext uri="{FF2B5EF4-FFF2-40B4-BE49-F238E27FC236}">
+                    <a16:creationId xmlns:a16="http://schemas.microsoft.com/office/drawing/2014/main" id="{8A58B71D-FC31-8DFE-17C0-10203A927238}"/>
+                  </a:ext>
+                </a:extLst>
+              </p:cNvPr>
+              <p:cNvPicPr/>
+              <p:nvPr/>
+            </p:nvPicPr>
+            <p:blipFill>
+              <a:blip r:embed="rId5"/>
+              <a:stretch>
+                <a:fillRect/>
+              </a:stretch>
+            </p:blipFill>
+            <p:spPr>
+              <a:xfrm>
+                <a:off x="10751280" y="479320"/>
+                <a:ext cx="36000" cy="36000"/>
+              </a:xfrm>
+              <a:prstGeom prst="rect">
+                <a:avLst/>
+              </a:prstGeom>
+            </p:spPr>
+          </p:pic>
+        </mc:Fallback>
+      </mc:AlternateContent>
+      <p:sp>
+        <p:nvSpPr>
+          <p:cNvPr id="40" name="TextBox 39">
+            <a:extLst>
+              <a:ext uri="{FF2B5EF4-FFF2-40B4-BE49-F238E27FC236}">
+                <a16:creationId xmlns:a16="http://schemas.microsoft.com/office/drawing/2014/main" id="{024B9551-06C5-7527-FADF-D82839177610}"/>
+              </a:ext>
+            </a:extLst>
+          </p:cNvPr>
+          <p:cNvSpPr txBox="1"/>
+          <p:nvPr/>
+        </p:nvSpPr>
+        <p:spPr>
+          <a:xfrm>
+            <a:off x="695209" y="189416"/>
+            <a:ext cx="1340432" cy="523220"/>
+          </a:xfrm>
+          <a:prstGeom prst="rect">
+            <a:avLst/>
+          </a:prstGeom>
+          <a:noFill/>
+        </p:spPr>
+        <p:txBody>
+          <a:bodyPr wrap="none" rtlCol="0">
+            <a:spAutoFit/>
+          </a:bodyPr>
+          <a:lstStyle/>
+          <a:p>
+            <a:r>
+              <a:rPr lang="en-US" sz="2800" dirty="0">
+                <a:solidFill>
+                  <a:srgbClr val="DDE8FF"/>
+                </a:solidFill>
+                <a:latin typeface="Times New Roman" panose="02020603050405020304" pitchFamily="18" charset="0"/>
+                <a:cs typeface="Times New Roman" panose="02020603050405020304" pitchFamily="18" charset="0"/>
+              </a:rPr>
+              <a:t>FelineX</a:t>
+            </a:r>
+            <a:endParaRPr lang="ru-RU" sz="2400" dirty="0">
+              <a:solidFill>
+                <a:srgbClr val="DDE8FF"/>
+              </a:solidFill>
+              <a:latin typeface="Times New Roman" panose="02020603050405020304" pitchFamily="18" charset="0"/>
+              <a:cs typeface="Times New Roman" panose="02020603050405020304" pitchFamily="18" charset="0"/>
+            </a:endParaRPr>
+          </a:p>
+        </p:txBody>
+      </p:sp>
+      <p:pic>
+        <p:nvPicPr>
+          <p:cNvPr id="44" name="Рисунок 43" descr="Изображение выглядит как черный, темнота, черно-белый&#10;&#10;Автоматически созданное описание">
+            <a:extLst>
+              <a:ext uri="{FF2B5EF4-FFF2-40B4-BE49-F238E27FC236}">
+                <a16:creationId xmlns:a16="http://schemas.microsoft.com/office/drawing/2014/main" id="{626D342F-3D34-6D98-84F0-171A78C0328A}"/>
+              </a:ext>
+            </a:extLst>
+          </p:cNvPr>
+          <p:cNvPicPr>
+            <a:picLocks noChangeAspect="1"/>
+          </p:cNvPicPr>
+          <p:nvPr/>
+        </p:nvPicPr>
+        <p:blipFill>
+          <a:blip r:embed="rId8">
+            <a:extLst>
+              <a:ext uri="{28A0092B-C50C-407E-A947-70E740481C1C}">
+                <a14:useLocalDpi xmlns:a14="http://schemas.microsoft.com/office/drawing/2010/main" val="0"/>
+              </a:ext>
+            </a:extLst>
+          </a:blip>
+          <a:stretch>
+            <a:fillRect/>
+          </a:stretch>
+        </p:blipFill>
+        <p:spPr>
+          <a:xfrm>
+            <a:off x="66694" y="127618"/>
+            <a:ext cx="585263" cy="585263"/>
+          </a:xfrm>
+          <a:prstGeom prst="rect">
+            <a:avLst/>
+          </a:prstGeom>
+          <a:effectLst>
+            <a:outerShdw blurRad="50800" dist="50800" dir="5400000" sx="101000" sy="101000" algn="ctr" rotWithShape="0">
+              <a:schemeClr val="tx2"/>
+            </a:outerShdw>
+          </a:effectLst>
+        </p:spPr>
+      </p:pic>
+      <p:pic>
+        <p:nvPicPr>
+          <p:cNvPr id="45" name="Рисунок 44" descr="Изображение выглядит как черный, темнота, черно-белый&#10;&#10;Автоматически созданное описание">
+            <a:extLst>
+              <a:ext uri="{FF2B5EF4-FFF2-40B4-BE49-F238E27FC236}">
+                <a16:creationId xmlns:a16="http://schemas.microsoft.com/office/drawing/2014/main" id="{47CDA93B-DCBC-F3E9-192F-CCE1F432524B}"/>
+              </a:ext>
+            </a:extLst>
+          </p:cNvPr>
+          <p:cNvPicPr>
+            <a:picLocks noChangeAspect="1"/>
+          </p:cNvPicPr>
+          <p:nvPr/>
+        </p:nvPicPr>
+        <p:blipFill>
+          <a:blip r:embed="rId8">
+            <a:alphaModFix amt="15000"/>
+            <a:extLst>
+              <a:ext uri="{28A0092B-C50C-407E-A947-70E740481C1C}">
+                <a14:useLocalDpi xmlns:a14="http://schemas.microsoft.com/office/drawing/2010/main" val="0"/>
+              </a:ext>
+            </a:extLst>
+          </a:blip>
+          <a:stretch>
+            <a:fillRect/>
+          </a:stretch>
+        </p:blipFill>
+        <p:spPr>
+          <a:xfrm rot="19125694">
+            <a:off x="11635209" y="6231560"/>
+            <a:ext cx="585263" cy="585263"/>
+          </a:xfrm>
+          <a:prstGeom prst="rect">
+            <a:avLst/>
+          </a:prstGeom>
+          <a:effectLst>
+            <a:outerShdw blurRad="50800" dist="50800" dir="5400000" sx="101000" sy="101000" algn="ctr" rotWithShape="0">
+              <a:schemeClr val="tx1"/>
+            </a:outerShdw>
+          </a:effectLst>
+        </p:spPr>
+      </p:pic>
+      <p:sp>
+        <p:nvSpPr>
+          <p:cNvPr id="2" name="Овал 1">
+            <a:extLst>
+              <a:ext uri="{FF2B5EF4-FFF2-40B4-BE49-F238E27FC236}">
+                <a16:creationId xmlns:a16="http://schemas.microsoft.com/office/drawing/2014/main" id="{A77D94FB-8E75-C5E2-5217-F8926FFCA21B}"/>
+              </a:ext>
+            </a:extLst>
+          </p:cNvPr>
+          <p:cNvSpPr/>
+          <p:nvPr/>
+        </p:nvSpPr>
+        <p:spPr>
+          <a:xfrm>
+            <a:off x="11358641" y="71297"/>
+            <a:ext cx="650239" cy="604163"/>
+          </a:xfrm>
+          <a:prstGeom prst="ellipse">
+            <a:avLst/>
+          </a:prstGeom>
+          <a:solidFill>
+            <a:srgbClr val="00003A"/>
+          </a:solidFill>
+        </p:spPr>
+        <p:style>
+          <a:lnRef idx="2">
+            <a:schemeClr val="accent1">
+              <a:shade val="15000"/>
+            </a:schemeClr>
+          </a:lnRef>
+          <a:fillRef idx="1">
+            <a:schemeClr val="accent1"/>
+          </a:fillRef>
+          <a:effectRef idx="0">
+            <a:schemeClr val="accent1"/>
+          </a:effectRef>
+          <a:fontRef idx="minor">
+            <a:schemeClr val="lt1"/>
+          </a:fontRef>
+        </p:style>
+        <p:txBody>
+          <a:bodyPr rtlCol="0" anchor="ctr"/>
+          <a:lstStyle/>
+          <a:p>
+            <a:pPr algn="ctr"/>
+            <a:endParaRPr lang="ru-RU"/>
+          </a:p>
+        </p:txBody>
+      </p:sp>
+      <p:cxnSp>
+        <p:nvCxnSpPr>
+          <p:cNvPr id="3" name="Прямая соединительная линия 2">
+            <a:extLst>
+              <a:ext uri="{FF2B5EF4-FFF2-40B4-BE49-F238E27FC236}">
+                <a16:creationId xmlns:a16="http://schemas.microsoft.com/office/drawing/2014/main" id="{234F073D-5724-9733-5AA1-AD82F5CA8E5D}"/>
+              </a:ext>
+            </a:extLst>
+          </p:cNvPr>
+          <p:cNvCxnSpPr/>
+          <p:nvPr/>
+        </p:nvCxnSpPr>
+        <p:spPr>
+          <a:xfrm>
+            <a:off x="10748760" y="0"/>
+            <a:ext cx="0" cy="746761"/>
+          </a:xfrm>
+          <a:prstGeom prst="line">
+            <a:avLst/>
+          </a:prstGeom>
+          <a:ln w="38100">
+            <a:solidFill>
+              <a:srgbClr val="00003A"/>
+            </a:solidFill>
+          </a:ln>
+        </p:spPr>
+        <p:style>
+          <a:lnRef idx="2">
+            <a:schemeClr val="accent1"/>
+          </a:lnRef>
+          <a:fillRef idx="0">
+            <a:schemeClr val="accent1"/>
+          </a:fillRef>
+          <a:effectRef idx="1">
+            <a:schemeClr val="accent1"/>
+          </a:effectRef>
+          <a:fontRef idx="minor">
+            <a:schemeClr val="tx1"/>
+          </a:fontRef>
+        </p:style>
+      </p:cxnSp>
+      <p:sp>
+        <p:nvSpPr>
+          <p:cNvPr id="4" name="TextBox 3">
+            <a:extLst>
+              <a:ext uri="{FF2B5EF4-FFF2-40B4-BE49-F238E27FC236}">
+                <a16:creationId xmlns:a16="http://schemas.microsoft.com/office/drawing/2014/main" id="{E7C92163-DADE-AFE6-3011-90C29982F821}"/>
+              </a:ext>
+            </a:extLst>
+          </p:cNvPr>
+          <p:cNvSpPr txBox="1"/>
+          <p:nvPr/>
+        </p:nvSpPr>
+        <p:spPr>
+          <a:xfrm>
+            <a:off x="7121899" y="189415"/>
+            <a:ext cx="1603324" cy="461665"/>
+          </a:xfrm>
+          <a:prstGeom prst="rect">
+            <a:avLst/>
+          </a:prstGeom>
+          <a:noFill/>
+        </p:spPr>
+        <p:txBody>
+          <a:bodyPr wrap="none" rtlCol="0">
+            <a:spAutoFit/>
+          </a:bodyPr>
+          <a:lstStyle/>
+          <a:p>
+            <a:r>
+              <a:rPr lang="ru-RU" sz="2400" dirty="0">
+                <a:solidFill>
+                  <a:srgbClr val="DDE8FF"/>
+                </a:solidFill>
+                <a:latin typeface="Times New Roman" panose="02020603050405020304" pitchFamily="18" charset="0"/>
+                <a:cs typeface="Times New Roman" panose="02020603050405020304" pitchFamily="18" charset="0"/>
+              </a:rPr>
+              <a:t>Мои тесты</a:t>
+            </a:r>
+          </a:p>
+        </p:txBody>
+      </p:sp>
+      <p:sp>
+        <p:nvSpPr>
+          <p:cNvPr id="7" name="TextBox 6">
+            <a:extLst>
+              <a:ext uri="{FF2B5EF4-FFF2-40B4-BE49-F238E27FC236}">
+                <a16:creationId xmlns:a16="http://schemas.microsoft.com/office/drawing/2014/main" id="{A1A654E6-2F6F-3BE2-36DB-DA1477A3394C}"/>
+              </a:ext>
+            </a:extLst>
+          </p:cNvPr>
+          <p:cNvSpPr txBox="1"/>
+          <p:nvPr/>
+        </p:nvSpPr>
+        <p:spPr>
+          <a:xfrm>
+            <a:off x="9019903" y="189416"/>
+            <a:ext cx="1159292" cy="461665"/>
+          </a:xfrm>
+          <a:prstGeom prst="rect">
+            <a:avLst/>
+          </a:prstGeom>
+          <a:noFill/>
+        </p:spPr>
+        <p:txBody>
+          <a:bodyPr wrap="none" rtlCol="0">
+            <a:spAutoFit/>
+          </a:bodyPr>
+          <a:lstStyle/>
+          <a:p>
+            <a:r>
+              <a:rPr lang="ru-RU" sz="2400" dirty="0">
+                <a:solidFill>
+                  <a:srgbClr val="DDE8FF"/>
+                </a:solidFill>
+                <a:latin typeface="Times New Roman" panose="02020603050405020304" pitchFamily="18" charset="0"/>
+                <a:cs typeface="Times New Roman" panose="02020603050405020304" pitchFamily="18" charset="0"/>
+              </a:rPr>
+              <a:t>Классы</a:t>
+            </a:r>
+          </a:p>
+        </p:txBody>
+      </p:sp>
+      <p:sp>
+        <p:nvSpPr>
+          <p:cNvPr id="8" name="TextBox 7">
+            <a:extLst>
+              <a:ext uri="{FF2B5EF4-FFF2-40B4-BE49-F238E27FC236}">
+                <a16:creationId xmlns:a16="http://schemas.microsoft.com/office/drawing/2014/main" id="{BBEBD632-7952-4AFA-4366-4887F9101672}"/>
+              </a:ext>
+            </a:extLst>
+          </p:cNvPr>
+          <p:cNvSpPr txBox="1"/>
+          <p:nvPr/>
+        </p:nvSpPr>
+        <p:spPr>
+          <a:xfrm>
+            <a:off x="10875981" y="127618"/>
+            <a:ext cx="457200" cy="621004"/>
+          </a:xfrm>
+          <a:prstGeom prst="rect">
+            <a:avLst/>
+          </a:prstGeom>
+          <a:noFill/>
+        </p:spPr>
+        <p:txBody>
+          <a:bodyPr wrap="square" rtlCol="0">
+            <a:spAutoFit/>
+          </a:bodyPr>
+          <a:lstStyle/>
+          <a:p>
+            <a:pPr>
+              <a:lnSpc>
+                <a:spcPct val="20000"/>
+              </a:lnSpc>
+            </a:pPr>
+            <a:r>
+              <a:rPr lang="ru-RU" sz="4400" dirty="0"/>
+              <a:t>.</a:t>
+            </a:r>
+          </a:p>
+          <a:p>
+            <a:pPr>
+              <a:lnSpc>
+                <a:spcPct val="20000"/>
+              </a:lnSpc>
+            </a:pPr>
+            <a:r>
+              <a:rPr lang="ru-RU" sz="4400" dirty="0"/>
+              <a:t>.</a:t>
+            </a:r>
+          </a:p>
+          <a:p>
+            <a:pPr>
+              <a:lnSpc>
+                <a:spcPct val="20000"/>
+              </a:lnSpc>
+            </a:pPr>
+            <a:r>
+              <a:rPr lang="ru-RU" sz="4400" dirty="0"/>
+              <a:t>.</a:t>
+            </a:r>
+          </a:p>
+        </p:txBody>
+      </p:sp>
+      <p:pic>
+        <p:nvPicPr>
+          <p:cNvPr id="9" name="Рисунок 8">
+            <a:extLst>
+              <a:ext uri="{FF2B5EF4-FFF2-40B4-BE49-F238E27FC236}">
+                <a16:creationId xmlns:a16="http://schemas.microsoft.com/office/drawing/2014/main" id="{6A503F38-52A4-31A9-B3B1-926A8BDAC746}"/>
+              </a:ext>
+            </a:extLst>
+          </p:cNvPr>
+          <p:cNvPicPr>
+            <a:picLocks noChangeAspect="1"/>
+          </p:cNvPicPr>
+          <p:nvPr/>
+        </p:nvPicPr>
+        <p:blipFill rotWithShape="1">
+          <a:blip r:embed="rId9"/>
+          <a:srcRect t="50000"/>
+          <a:stretch/>
+        </p:blipFill>
+        <p:spPr>
+          <a:xfrm>
+            <a:off x="4056876" y="1605507"/>
+            <a:ext cx="2755665" cy="1447328"/>
+          </a:xfrm>
+          <a:prstGeom prst="rect">
+            <a:avLst/>
+          </a:prstGeom>
+        </p:spPr>
+      </p:pic>
+      <p:pic>
+        <p:nvPicPr>
+          <p:cNvPr id="11" name="Рисунок 10">
+            <a:extLst>
+              <a:ext uri="{FF2B5EF4-FFF2-40B4-BE49-F238E27FC236}">
+                <a16:creationId xmlns:a16="http://schemas.microsoft.com/office/drawing/2014/main" id="{F47F14C2-7776-56C5-4248-F92AFE34E064}"/>
+              </a:ext>
+            </a:extLst>
+          </p:cNvPr>
+          <p:cNvPicPr>
+            <a:picLocks noChangeAspect="1"/>
+          </p:cNvPicPr>
+          <p:nvPr/>
+        </p:nvPicPr>
+        <p:blipFill>
+          <a:blip r:embed="rId10"/>
+          <a:stretch>
+            <a:fillRect/>
+          </a:stretch>
+        </p:blipFill>
+        <p:spPr>
+          <a:xfrm>
+            <a:off x="259646" y="1514116"/>
+            <a:ext cx="2844247" cy="1502743"/>
+          </a:xfrm>
+          <a:prstGeom prst="rect">
+            <a:avLst/>
+          </a:prstGeom>
+        </p:spPr>
+      </p:pic>
+      <p:pic>
+        <p:nvPicPr>
+          <p:cNvPr id="13" name="Рисунок 12">
+            <a:extLst>
+              <a:ext uri="{FF2B5EF4-FFF2-40B4-BE49-F238E27FC236}">
+                <a16:creationId xmlns:a16="http://schemas.microsoft.com/office/drawing/2014/main" id="{26162C8B-2CC7-C7B3-0679-F3B75B245D29}"/>
+              </a:ext>
+            </a:extLst>
+          </p:cNvPr>
+          <p:cNvPicPr>
+            <a:picLocks noChangeAspect="1"/>
+          </p:cNvPicPr>
+          <p:nvPr/>
+        </p:nvPicPr>
+        <p:blipFill>
+          <a:blip r:embed="rId11"/>
+          <a:stretch>
+            <a:fillRect/>
+          </a:stretch>
+        </p:blipFill>
+        <p:spPr>
+          <a:xfrm>
+            <a:off x="8488934" y="1605507"/>
+            <a:ext cx="2844247" cy="1474073"/>
+          </a:xfrm>
+          <a:prstGeom prst="rect">
+            <a:avLst/>
+          </a:prstGeom>
+        </p:spPr>
+      </p:pic>
+      <p:pic>
+        <p:nvPicPr>
+          <p:cNvPr id="15" name="Рисунок 14">
+            <a:extLst>
+              <a:ext uri="{FF2B5EF4-FFF2-40B4-BE49-F238E27FC236}">
+                <a16:creationId xmlns:a16="http://schemas.microsoft.com/office/drawing/2014/main" id="{4E28A036-B4F2-C49F-AF5F-C469AEF29C17}"/>
+              </a:ext>
+            </a:extLst>
+          </p:cNvPr>
+          <p:cNvPicPr>
+            <a:picLocks noChangeAspect="1"/>
+          </p:cNvPicPr>
+          <p:nvPr/>
+        </p:nvPicPr>
+        <p:blipFill>
+          <a:blip r:embed="rId12"/>
+          <a:stretch>
+            <a:fillRect/>
+          </a:stretch>
+        </p:blipFill>
+        <p:spPr>
+          <a:xfrm>
+            <a:off x="260737" y="5113459"/>
+            <a:ext cx="3057115" cy="1375003"/>
+          </a:xfrm>
+          <a:prstGeom prst="rect">
+            <a:avLst/>
+          </a:prstGeom>
+        </p:spPr>
+      </p:pic>
+      <p:pic>
+        <p:nvPicPr>
+          <p:cNvPr id="20" name="Рисунок 19">
+            <a:extLst>
+              <a:ext uri="{FF2B5EF4-FFF2-40B4-BE49-F238E27FC236}">
+                <a16:creationId xmlns:a16="http://schemas.microsoft.com/office/drawing/2014/main" id="{49440D01-24AA-DF12-2F2C-367AAC3708E9}"/>
+              </a:ext>
+            </a:extLst>
+          </p:cNvPr>
+          <p:cNvPicPr>
+            <a:picLocks noChangeAspect="1"/>
+          </p:cNvPicPr>
+          <p:nvPr/>
+        </p:nvPicPr>
+        <p:blipFill>
+          <a:blip r:embed="rId13"/>
+          <a:stretch>
+            <a:fillRect/>
+          </a:stretch>
+        </p:blipFill>
+        <p:spPr>
+          <a:xfrm>
+            <a:off x="3317852" y="5160401"/>
+            <a:ext cx="2958527" cy="1354017"/>
+          </a:xfrm>
+          <a:prstGeom prst="rect">
+            <a:avLst/>
+          </a:prstGeom>
+        </p:spPr>
+      </p:pic>
+      <p:sp>
+        <p:nvSpPr>
+          <p:cNvPr id="21" name="TextBox 20">
+            <a:extLst>
+              <a:ext uri="{FF2B5EF4-FFF2-40B4-BE49-F238E27FC236}">
+                <a16:creationId xmlns:a16="http://schemas.microsoft.com/office/drawing/2014/main" id="{BDC13DA5-BD33-8DA4-F51A-664968D90292}"/>
+              </a:ext>
+            </a:extLst>
+          </p:cNvPr>
+          <p:cNvSpPr txBox="1"/>
+          <p:nvPr/>
+        </p:nvSpPr>
+        <p:spPr>
+          <a:xfrm>
+            <a:off x="2311121" y="4535990"/>
+            <a:ext cx="1826141" cy="369332"/>
+          </a:xfrm>
+          <a:prstGeom prst="rect">
+            <a:avLst/>
+          </a:prstGeom>
+          <a:noFill/>
+        </p:spPr>
+        <p:txBody>
+          <a:bodyPr wrap="none" rtlCol="0">
+            <a:spAutoFit/>
+          </a:bodyPr>
+          <a:lstStyle/>
+          <a:p>
+            <a:r>
+              <a:rPr lang="ru-RU" dirty="0"/>
+              <a:t>Верхняя панель</a:t>
+            </a:r>
+          </a:p>
+        </p:txBody>
+      </p:sp>
+      <p:sp>
+        <p:nvSpPr>
+          <p:cNvPr id="22" name="TextBox 21">
+            <a:extLst>
+              <a:ext uri="{FF2B5EF4-FFF2-40B4-BE49-F238E27FC236}">
+                <a16:creationId xmlns:a16="http://schemas.microsoft.com/office/drawing/2014/main" id="{F438F2A3-5BDB-4E65-896E-03A9FE339CE7}"/>
+              </a:ext>
+            </a:extLst>
+          </p:cNvPr>
+          <p:cNvSpPr txBox="1"/>
+          <p:nvPr/>
+        </p:nvSpPr>
+        <p:spPr>
+          <a:xfrm>
+            <a:off x="775398" y="1096091"/>
+            <a:ext cx="2023503" cy="369332"/>
+          </a:xfrm>
+          <a:prstGeom prst="rect">
+            <a:avLst/>
+          </a:prstGeom>
+          <a:noFill/>
+        </p:spPr>
+        <p:txBody>
+          <a:bodyPr wrap="none" rtlCol="0">
+            <a:spAutoFit/>
+          </a:bodyPr>
+          <a:lstStyle/>
+          <a:p>
+            <a:r>
+              <a:rPr lang="ru-RU" dirty="0"/>
+              <a:t>Текст, фон кнопок</a:t>
+            </a:r>
+          </a:p>
+        </p:txBody>
+      </p:sp>
+      <p:sp>
+        <p:nvSpPr>
+          <p:cNvPr id="23" name="TextBox 22">
+            <a:extLst>
+              <a:ext uri="{FF2B5EF4-FFF2-40B4-BE49-F238E27FC236}">
+                <a16:creationId xmlns:a16="http://schemas.microsoft.com/office/drawing/2014/main" id="{7BFBDAC2-8873-BA0A-A4E2-7B347538D91D}"/>
+              </a:ext>
+            </a:extLst>
+          </p:cNvPr>
+          <p:cNvSpPr txBox="1"/>
+          <p:nvPr/>
+        </p:nvSpPr>
+        <p:spPr>
+          <a:xfrm>
+            <a:off x="4352611" y="1091901"/>
+            <a:ext cx="1696298" cy="369332"/>
+          </a:xfrm>
+          <a:prstGeom prst="rect">
+            <a:avLst/>
+          </a:prstGeom>
+          <a:noFill/>
+        </p:spPr>
+        <p:txBody>
+          <a:bodyPr wrap="none" rtlCol="0">
+            <a:spAutoFit/>
+          </a:bodyPr>
+          <a:lstStyle/>
+          <a:p>
+            <a:r>
+              <a:rPr lang="ru-RU" dirty="0"/>
+              <a:t>Основной фон</a:t>
+            </a:r>
+          </a:p>
+        </p:txBody>
+      </p:sp>
+      <p:sp>
+        <p:nvSpPr>
+          <p:cNvPr id="24" name="TextBox 23">
+            <a:extLst>
+              <a:ext uri="{FF2B5EF4-FFF2-40B4-BE49-F238E27FC236}">
+                <a16:creationId xmlns:a16="http://schemas.microsoft.com/office/drawing/2014/main" id="{05B6BD54-93EF-1D62-B195-9EDD80C90BCE}"/>
+              </a:ext>
+            </a:extLst>
+          </p:cNvPr>
+          <p:cNvSpPr txBox="1"/>
+          <p:nvPr/>
+        </p:nvSpPr>
+        <p:spPr>
+          <a:xfrm>
+            <a:off x="8772807" y="1076771"/>
+            <a:ext cx="2240293" cy="369332"/>
+          </a:xfrm>
+          <a:prstGeom prst="rect">
+            <a:avLst/>
+          </a:prstGeom>
+          <a:noFill/>
+        </p:spPr>
+        <p:txBody>
+          <a:bodyPr wrap="none" rtlCol="0">
+            <a:spAutoFit/>
+          </a:bodyPr>
+          <a:lstStyle/>
+          <a:p>
+            <a:r>
+              <a:rPr lang="ru-RU" dirty="0"/>
+              <a:t>Текст, черточки и </a:t>
+            </a:r>
+            <a:r>
+              <a:rPr lang="ru-RU" dirty="0" err="1"/>
+              <a:t>тд</a:t>
+            </a:r>
+            <a:endParaRPr lang="ru-RU" dirty="0"/>
+          </a:p>
+        </p:txBody>
+      </p:sp>
+      <p:sp>
+        <p:nvSpPr>
+          <p:cNvPr id="29" name="TextBox 28">
+            <a:extLst>
+              <a:ext uri="{FF2B5EF4-FFF2-40B4-BE49-F238E27FC236}">
+                <a16:creationId xmlns:a16="http://schemas.microsoft.com/office/drawing/2014/main" id="{9F04CDD7-7017-E731-6818-FF8CAE5045C8}"/>
+              </a:ext>
+            </a:extLst>
+          </p:cNvPr>
+          <p:cNvSpPr txBox="1"/>
+          <p:nvPr/>
+        </p:nvSpPr>
+        <p:spPr>
+          <a:xfrm>
+            <a:off x="5004028" y="4820565"/>
+            <a:ext cx="1044881" cy="369327"/>
+          </a:xfrm>
+          <a:prstGeom prst="rect">
+            <a:avLst/>
+          </a:prstGeom>
+          <a:noFill/>
+        </p:spPr>
+        <p:txBody>
+          <a:bodyPr wrap="square">
+            <a:spAutoFit/>
+          </a:bodyPr>
+          <a:lstStyle/>
+          <a:p>
+            <a:r>
+              <a:rPr lang="ru-RU" dirty="0"/>
+              <a:t>+Текст</a:t>
+            </a:r>
+          </a:p>
+        </p:txBody>
+      </p:sp>
+    </p:spTree>
+    <p:extLst>
+      <p:ext uri="{BB962C8B-B14F-4D97-AF65-F5344CB8AC3E}">
+        <p14:creationId xmlns:p14="http://schemas.microsoft.com/office/powerpoint/2010/main" val="3321819353"/>
+      </p:ext>
+    </p:extLst>
+  </p:cSld>
+  <p:clrMapOvr>
+    <a:masterClrMapping/>
+  </p:clrMapOvr>
+</p:sld>
+</file>
+
+<file path=ppt/slides/slide3.xml><?xml version="1.0" encoding="utf-8"?>
+<p:sld xmlns:a="http://schemas.openxmlformats.org/drawingml/2006/main" xmlns:r="http://schemas.openxmlformats.org/officeDocument/2006/relationships" xmlns:p="http://schemas.openxmlformats.org/presentationml/2006/main">
+  <p:cSld>
     <p:spTree>
       <p:nvGrpSpPr>
         <p:cNvPr id="1" name="">
@@ -5517,7 +6792,7 @@
 </p:sld>
 </file>
 
-<file path=ppt/slides/slide3.xml><?xml version="1.0" encoding="utf-8"?>
+<file path=ppt/slides/slide4.xml><?xml version="1.0" encoding="utf-8"?>
 <p:sld xmlns:a="http://schemas.openxmlformats.org/drawingml/2006/main" xmlns:r="http://schemas.openxmlformats.org/officeDocument/2006/relationships" xmlns:p="http://schemas.openxmlformats.org/presentationml/2006/main">
   <p:cSld>
     <p:spTree>
@@ -6146,7 +7421,7 @@
           <p:nvPr>
             <p:extLst>
               <p:ext uri="{D42A27DB-BD31-4B8C-83A1-F6EECF244321}">
-                <p14:modId xmlns:p14="http://schemas.microsoft.com/office/powerpoint/2010/main" val="1640514938"/>
+                <p14:modId xmlns:p14="http://schemas.microsoft.com/office/powerpoint/2010/main" val="2511362931"/>
               </p:ext>
             </p:extLst>
           </p:nvPr>
@@ -7675,7 +8950,1717 @@
 </p:sld>
 </file>
 
-<file path=ppt/slides/slide4.xml><?xml version="1.0" encoding="utf-8"?>
+<file path=ppt/slides/slide5.xml><?xml version="1.0" encoding="utf-8"?>
+<p:sld xmlns:a="http://schemas.openxmlformats.org/drawingml/2006/main" xmlns:r="http://schemas.openxmlformats.org/officeDocument/2006/relationships" xmlns:p="http://schemas.openxmlformats.org/presentationml/2006/main">
+  <p:cSld>
+    <p:spTree>
+      <p:nvGrpSpPr>
+        <p:cNvPr id="1" name="">
+          <a:extLst>
+            <a:ext uri="{FF2B5EF4-FFF2-40B4-BE49-F238E27FC236}">
+              <a16:creationId xmlns:a16="http://schemas.microsoft.com/office/drawing/2014/main" id="{8FCEAC50-3122-3468-FEC1-2824551321D7}"/>
+            </a:ext>
+          </a:extLst>
+        </p:cNvPr>
+        <p:cNvGrpSpPr/>
+        <p:nvPr/>
+      </p:nvGrpSpPr>
+      <p:grpSpPr>
+        <a:xfrm>
+          <a:off x="0" y="0"/>
+          <a:ext cx="0" cy="0"/>
+          <a:chOff x="0" y="0"/>
+          <a:chExt cx="0" cy="0"/>
+        </a:xfrm>
+      </p:grpSpPr>
+      <p:sp>
+        <p:nvSpPr>
+          <p:cNvPr id="5" name="Прямоугольник 4">
+            <a:extLst>
+              <a:ext uri="{FF2B5EF4-FFF2-40B4-BE49-F238E27FC236}">
+                <a16:creationId xmlns:a16="http://schemas.microsoft.com/office/drawing/2014/main" id="{9335A0E0-714D-4CFF-4A85-A1BD4BF6C9A0}"/>
+              </a:ext>
+            </a:extLst>
+          </p:cNvPr>
+          <p:cNvSpPr/>
+          <p:nvPr/>
+        </p:nvSpPr>
+        <p:spPr>
+          <a:xfrm>
+            <a:off x="0" y="1"/>
+            <a:ext cx="12192000" cy="746760"/>
+          </a:xfrm>
+          <a:prstGeom prst="rect">
+            <a:avLst/>
+          </a:prstGeom>
+          <a:gradFill flip="none" rotWithShape="1">
+            <a:gsLst>
+              <a:gs pos="24000">
+                <a:srgbClr val="000066"/>
+              </a:gs>
+              <a:gs pos="100000">
+                <a:srgbClr val="672C94"/>
+              </a:gs>
+              <a:gs pos="100000">
+                <a:schemeClr val="accent1">
+                  <a:tint val="23500"/>
+                  <a:satMod val="160000"/>
+                </a:schemeClr>
+              </a:gs>
+            </a:gsLst>
+            <a:lin ang="5400000" scaled="1"/>
+            <a:tileRect/>
+          </a:gradFill>
+        </p:spPr>
+        <p:style>
+          <a:lnRef idx="2">
+            <a:schemeClr val="accent1">
+              <a:shade val="15000"/>
+            </a:schemeClr>
+          </a:lnRef>
+          <a:fillRef idx="1">
+            <a:schemeClr val="accent1"/>
+          </a:fillRef>
+          <a:effectRef idx="0">
+            <a:schemeClr val="accent1"/>
+          </a:effectRef>
+          <a:fontRef idx="minor">
+            <a:schemeClr val="lt1"/>
+          </a:fontRef>
+        </p:style>
+        <p:txBody>
+          <a:bodyPr rtlCol="0" anchor="ctr"/>
+          <a:lstStyle/>
+          <a:p>
+            <a:pPr algn="ctr"/>
+            <a:endParaRPr lang="ru-RU"/>
+          </a:p>
+        </p:txBody>
+      </p:sp>
+      <p:cxnSp>
+        <p:nvCxnSpPr>
+          <p:cNvPr id="17" name="Прямая соединительная линия 16">
+            <a:extLst>
+              <a:ext uri="{FF2B5EF4-FFF2-40B4-BE49-F238E27FC236}">
+                <a16:creationId xmlns:a16="http://schemas.microsoft.com/office/drawing/2014/main" id="{DFFA9FE7-E896-D828-9F89-C5D67D18C201}"/>
+              </a:ext>
+            </a:extLst>
+          </p:cNvPr>
+          <p:cNvCxnSpPr>
+            <a:cxnSpLocks/>
+          </p:cNvCxnSpPr>
+          <p:nvPr/>
+        </p:nvCxnSpPr>
+        <p:spPr>
+          <a:xfrm>
+            <a:off x="0" y="746761"/>
+            <a:ext cx="12192000" cy="0"/>
+          </a:xfrm>
+          <a:prstGeom prst="line">
+            <a:avLst/>
+          </a:prstGeom>
+          <a:ln w="38100">
+            <a:solidFill>
+              <a:srgbClr val="00003A"/>
+            </a:solidFill>
+          </a:ln>
+        </p:spPr>
+        <p:style>
+          <a:lnRef idx="2">
+            <a:schemeClr val="accent1"/>
+          </a:lnRef>
+          <a:fillRef idx="0">
+            <a:schemeClr val="accent1"/>
+          </a:fillRef>
+          <a:effectRef idx="1">
+            <a:schemeClr val="accent1"/>
+          </a:effectRef>
+          <a:fontRef idx="minor">
+            <a:schemeClr val="tx1"/>
+          </a:fontRef>
+        </p:style>
+      </p:cxnSp>
+      <mc:AlternateContent xmlns:mc="http://schemas.openxmlformats.org/markup-compatibility/2006" xmlns:p14="http://schemas.microsoft.com/office/powerpoint/2010/main">
+        <mc:Choice Requires="p14">
+          <p:contentPart p14:bwMode="auto" r:id="rId2">
+            <p14:nvContentPartPr>
+              <p14:cNvPr id="25" name="Рукописный ввод 24">
+                <a:extLst>
+                  <a:ext uri="{FF2B5EF4-FFF2-40B4-BE49-F238E27FC236}">
+                    <a16:creationId xmlns:a16="http://schemas.microsoft.com/office/drawing/2014/main" id="{93B63D78-062D-A3CD-FA05-87CF09202610}"/>
+                  </a:ext>
+                </a:extLst>
+              </p14:cNvPr>
+              <p14:cNvContentPartPr/>
+              <p14:nvPr/>
+            </p14:nvContentPartPr>
+            <p14:xfrm>
+              <a:off x="10698000" y="192400"/>
+              <a:ext cx="360" cy="360"/>
+            </p14:xfrm>
+          </p:contentPart>
+        </mc:Choice>
+        <mc:Fallback xmlns="">
+          <p:pic>
+            <p:nvPicPr>
+              <p:cNvPr id="25" name="Рукописный ввод 24">
+                <a:extLst>
+                  <a:ext uri="{FF2B5EF4-FFF2-40B4-BE49-F238E27FC236}">
+                    <a16:creationId xmlns:a16="http://schemas.microsoft.com/office/drawing/2014/main" id="{FEDA36C0-C07F-6C49-B6E3-8CC6BE317E24}"/>
+                  </a:ext>
+                </a:extLst>
+              </p:cNvPr>
+              <p:cNvPicPr/>
+              <p:nvPr/>
+            </p:nvPicPr>
+            <p:blipFill>
+              <a:blip r:embed="rId3"/>
+              <a:stretch>
+                <a:fillRect/>
+              </a:stretch>
+            </p:blipFill>
+            <p:spPr>
+              <a:xfrm>
+                <a:off x="10680000" y="174760"/>
+                <a:ext cx="36000" cy="36000"/>
+              </a:xfrm>
+              <a:prstGeom prst="rect">
+                <a:avLst/>
+              </a:prstGeom>
+            </p:spPr>
+          </p:pic>
+        </mc:Fallback>
+      </mc:AlternateContent>
+      <mc:AlternateContent xmlns:mc="http://schemas.openxmlformats.org/markup-compatibility/2006" xmlns:p14="http://schemas.microsoft.com/office/powerpoint/2010/main">
+        <mc:Choice Requires="p14">
+          <p:contentPart p14:bwMode="auto" r:id="rId4">
+            <p14:nvContentPartPr>
+              <p14:cNvPr id="35" name="Рукописный ввод 34">
+                <a:extLst>
+                  <a:ext uri="{FF2B5EF4-FFF2-40B4-BE49-F238E27FC236}">
+                    <a16:creationId xmlns:a16="http://schemas.microsoft.com/office/drawing/2014/main" id="{832E7B7F-6432-D81E-A118-7E7E5AE7281E}"/>
+                  </a:ext>
+                </a:extLst>
+              </p14:cNvPr>
+              <p14:cNvContentPartPr/>
+              <p14:nvPr/>
+            </p14:nvContentPartPr>
+            <p14:xfrm>
+              <a:off x="10748760" y="284200"/>
+              <a:ext cx="360" cy="360"/>
+            </p14:xfrm>
+          </p:contentPart>
+        </mc:Choice>
+        <mc:Fallback xmlns="">
+          <p:pic>
+            <p:nvPicPr>
+              <p:cNvPr id="35" name="Рукописный ввод 34">
+                <a:extLst>
+                  <a:ext uri="{FF2B5EF4-FFF2-40B4-BE49-F238E27FC236}">
+                    <a16:creationId xmlns:a16="http://schemas.microsoft.com/office/drawing/2014/main" id="{B83AD430-1F7A-390F-B4CF-43919EC53896}"/>
+                  </a:ext>
+                </a:extLst>
+              </p:cNvPr>
+              <p:cNvPicPr/>
+              <p:nvPr/>
+            </p:nvPicPr>
+            <p:blipFill>
+              <a:blip r:embed="rId5"/>
+              <a:stretch>
+                <a:fillRect/>
+              </a:stretch>
+            </p:blipFill>
+            <p:spPr>
+              <a:xfrm>
+                <a:off x="10731120" y="266200"/>
+                <a:ext cx="36000" cy="36000"/>
+              </a:xfrm>
+              <a:prstGeom prst="rect">
+                <a:avLst/>
+              </a:prstGeom>
+            </p:spPr>
+          </p:pic>
+        </mc:Fallback>
+      </mc:AlternateContent>
+      <mc:AlternateContent xmlns:mc="http://schemas.openxmlformats.org/markup-compatibility/2006" xmlns:p14="http://schemas.microsoft.com/office/powerpoint/2010/main">
+        <mc:Choice Requires="p14">
+          <p:contentPart p14:bwMode="auto" r:id="rId6">
+            <p14:nvContentPartPr>
+              <p14:cNvPr id="36" name="Рукописный ввод 35">
+                <a:extLst>
+                  <a:ext uri="{FF2B5EF4-FFF2-40B4-BE49-F238E27FC236}">
+                    <a16:creationId xmlns:a16="http://schemas.microsoft.com/office/drawing/2014/main" id="{5C54F95E-511A-4A31-BFDC-D095D5FF64FD}"/>
+                  </a:ext>
+                </a:extLst>
+              </p14:cNvPr>
+              <p14:cNvContentPartPr/>
+              <p14:nvPr/>
+            </p14:nvContentPartPr>
+            <p14:xfrm>
+              <a:off x="10748760" y="386080"/>
+              <a:ext cx="360" cy="360"/>
+            </p14:xfrm>
+          </p:contentPart>
+        </mc:Choice>
+        <mc:Fallback xmlns="">
+          <p:pic>
+            <p:nvPicPr>
+              <p:cNvPr id="36" name="Рукописный ввод 35">
+                <a:extLst>
+                  <a:ext uri="{FF2B5EF4-FFF2-40B4-BE49-F238E27FC236}">
+                    <a16:creationId xmlns:a16="http://schemas.microsoft.com/office/drawing/2014/main" id="{D56137F3-CD3A-8C19-D0F1-8F8BD0E04089}"/>
+                  </a:ext>
+                </a:extLst>
+              </p:cNvPr>
+              <p:cNvPicPr/>
+              <p:nvPr/>
+            </p:nvPicPr>
+            <p:blipFill>
+              <a:blip r:embed="rId5"/>
+              <a:stretch>
+                <a:fillRect/>
+              </a:stretch>
+            </p:blipFill>
+            <p:spPr>
+              <a:xfrm>
+                <a:off x="10731120" y="368080"/>
+                <a:ext cx="36000" cy="36000"/>
+              </a:xfrm>
+              <a:prstGeom prst="rect">
+                <a:avLst/>
+              </a:prstGeom>
+            </p:spPr>
+          </p:pic>
+        </mc:Fallback>
+      </mc:AlternateContent>
+      <mc:AlternateContent xmlns:mc="http://schemas.openxmlformats.org/markup-compatibility/2006" xmlns:p14="http://schemas.microsoft.com/office/powerpoint/2010/main">
+        <mc:Choice Requires="p14">
+          <p:contentPart p14:bwMode="auto" r:id="rId7">
+            <p14:nvContentPartPr>
+              <p14:cNvPr id="37" name="Рукописный ввод 36">
+                <a:extLst>
+                  <a:ext uri="{FF2B5EF4-FFF2-40B4-BE49-F238E27FC236}">
+                    <a16:creationId xmlns:a16="http://schemas.microsoft.com/office/drawing/2014/main" id="{96B54D5D-B863-8D13-A754-E8F0627DD3BD}"/>
+                  </a:ext>
+                </a:extLst>
+              </p14:cNvPr>
+              <p14:cNvContentPartPr/>
+              <p14:nvPr/>
+            </p14:nvContentPartPr>
+            <p14:xfrm>
+              <a:off x="10768920" y="497320"/>
+              <a:ext cx="360" cy="360"/>
+            </p14:xfrm>
+          </p:contentPart>
+        </mc:Choice>
+        <mc:Fallback xmlns="">
+          <p:pic>
+            <p:nvPicPr>
+              <p:cNvPr id="37" name="Рукописный ввод 36">
+                <a:extLst>
+                  <a:ext uri="{FF2B5EF4-FFF2-40B4-BE49-F238E27FC236}">
+                    <a16:creationId xmlns:a16="http://schemas.microsoft.com/office/drawing/2014/main" id="{E621663A-BB86-9BF2-6BBD-7D97666A9A25}"/>
+                  </a:ext>
+                </a:extLst>
+              </p:cNvPr>
+              <p:cNvPicPr/>
+              <p:nvPr/>
+            </p:nvPicPr>
+            <p:blipFill>
+              <a:blip r:embed="rId5"/>
+              <a:stretch>
+                <a:fillRect/>
+              </a:stretch>
+            </p:blipFill>
+            <p:spPr>
+              <a:xfrm>
+                <a:off x="10751280" y="479320"/>
+                <a:ext cx="36000" cy="36000"/>
+              </a:xfrm>
+              <a:prstGeom prst="rect">
+                <a:avLst/>
+              </a:prstGeom>
+            </p:spPr>
+          </p:pic>
+        </mc:Fallback>
+      </mc:AlternateContent>
+      <p:sp>
+        <p:nvSpPr>
+          <p:cNvPr id="40" name="TextBox 39">
+            <a:extLst>
+              <a:ext uri="{FF2B5EF4-FFF2-40B4-BE49-F238E27FC236}">
+                <a16:creationId xmlns:a16="http://schemas.microsoft.com/office/drawing/2014/main" id="{0A2381AA-A02F-59D0-336C-A37285CD485A}"/>
+              </a:ext>
+            </a:extLst>
+          </p:cNvPr>
+          <p:cNvSpPr txBox="1"/>
+          <p:nvPr/>
+        </p:nvSpPr>
+        <p:spPr>
+          <a:xfrm>
+            <a:off x="695209" y="189416"/>
+            <a:ext cx="1340432" cy="523220"/>
+          </a:xfrm>
+          <a:prstGeom prst="rect">
+            <a:avLst/>
+          </a:prstGeom>
+          <a:noFill/>
+        </p:spPr>
+        <p:txBody>
+          <a:bodyPr wrap="none" rtlCol="0">
+            <a:spAutoFit/>
+          </a:bodyPr>
+          <a:lstStyle/>
+          <a:p>
+            <a:r>
+              <a:rPr lang="en-US" sz="2800" dirty="0">
+                <a:solidFill>
+                  <a:srgbClr val="DDE8FF"/>
+                </a:solidFill>
+                <a:latin typeface="Times New Roman" panose="02020603050405020304" pitchFamily="18" charset="0"/>
+                <a:cs typeface="Times New Roman" panose="02020603050405020304" pitchFamily="18" charset="0"/>
+              </a:rPr>
+              <a:t>FelineX</a:t>
+            </a:r>
+            <a:endParaRPr lang="ru-RU" sz="2400" dirty="0">
+              <a:solidFill>
+                <a:srgbClr val="DDE8FF"/>
+              </a:solidFill>
+              <a:latin typeface="Times New Roman" panose="02020603050405020304" pitchFamily="18" charset="0"/>
+              <a:cs typeface="Times New Roman" panose="02020603050405020304" pitchFamily="18" charset="0"/>
+            </a:endParaRPr>
+          </a:p>
+        </p:txBody>
+      </p:sp>
+      <p:pic>
+        <p:nvPicPr>
+          <p:cNvPr id="44" name="Рисунок 43" descr="Изображение выглядит как черный, темнота, черно-белый&#10;&#10;Автоматически созданное описание">
+            <a:extLst>
+              <a:ext uri="{FF2B5EF4-FFF2-40B4-BE49-F238E27FC236}">
+                <a16:creationId xmlns:a16="http://schemas.microsoft.com/office/drawing/2014/main" id="{E998AAB1-FD7A-24D5-545E-13A55EF8CC49}"/>
+              </a:ext>
+            </a:extLst>
+          </p:cNvPr>
+          <p:cNvPicPr>
+            <a:picLocks noChangeAspect="1"/>
+          </p:cNvPicPr>
+          <p:nvPr/>
+        </p:nvPicPr>
+        <p:blipFill>
+          <a:blip r:embed="rId8">
+            <a:extLst>
+              <a:ext uri="{28A0092B-C50C-407E-A947-70E740481C1C}">
+                <a14:useLocalDpi xmlns:a14="http://schemas.microsoft.com/office/drawing/2010/main" val="0"/>
+              </a:ext>
+            </a:extLst>
+          </a:blip>
+          <a:stretch>
+            <a:fillRect/>
+          </a:stretch>
+        </p:blipFill>
+        <p:spPr>
+          <a:xfrm>
+            <a:off x="66694" y="127618"/>
+            <a:ext cx="585263" cy="585263"/>
+          </a:xfrm>
+          <a:prstGeom prst="rect">
+            <a:avLst/>
+          </a:prstGeom>
+          <a:effectLst>
+            <a:outerShdw blurRad="50800" dist="50800" dir="5400000" sx="101000" sy="101000" algn="ctr" rotWithShape="0">
+              <a:schemeClr val="tx2"/>
+            </a:outerShdw>
+          </a:effectLst>
+        </p:spPr>
+      </p:pic>
+      <p:pic>
+        <p:nvPicPr>
+          <p:cNvPr id="45" name="Рисунок 44" descr="Изображение выглядит как черный, темнота, черно-белый&#10;&#10;Автоматически созданное описание">
+            <a:extLst>
+              <a:ext uri="{FF2B5EF4-FFF2-40B4-BE49-F238E27FC236}">
+                <a16:creationId xmlns:a16="http://schemas.microsoft.com/office/drawing/2014/main" id="{C1F0735C-6D1E-0F64-9D3A-F85EA9DF821F}"/>
+              </a:ext>
+            </a:extLst>
+          </p:cNvPr>
+          <p:cNvPicPr>
+            <a:picLocks noChangeAspect="1"/>
+          </p:cNvPicPr>
+          <p:nvPr/>
+        </p:nvPicPr>
+        <p:blipFill>
+          <a:blip r:embed="rId8">
+            <a:alphaModFix amt="15000"/>
+            <a:extLst>
+              <a:ext uri="{28A0092B-C50C-407E-A947-70E740481C1C}">
+                <a14:useLocalDpi xmlns:a14="http://schemas.microsoft.com/office/drawing/2010/main" val="0"/>
+              </a:ext>
+            </a:extLst>
+          </a:blip>
+          <a:stretch>
+            <a:fillRect/>
+          </a:stretch>
+        </p:blipFill>
+        <p:spPr>
+          <a:xfrm rot="19125694">
+            <a:off x="11635209" y="6231560"/>
+            <a:ext cx="585263" cy="585263"/>
+          </a:xfrm>
+          <a:prstGeom prst="rect">
+            <a:avLst/>
+          </a:prstGeom>
+          <a:effectLst>
+            <a:outerShdw blurRad="50800" dist="50800" dir="5400000" sx="101000" sy="101000" algn="ctr" rotWithShape="0">
+              <a:schemeClr val="tx1"/>
+            </a:outerShdw>
+          </a:effectLst>
+        </p:spPr>
+      </p:pic>
+      <p:sp>
+        <p:nvSpPr>
+          <p:cNvPr id="4" name="TextBox 3">
+            <a:extLst>
+              <a:ext uri="{FF2B5EF4-FFF2-40B4-BE49-F238E27FC236}">
+                <a16:creationId xmlns:a16="http://schemas.microsoft.com/office/drawing/2014/main" id="{2F89F738-7BD3-736C-7966-A07BC10A2C94}"/>
+              </a:ext>
+            </a:extLst>
+          </p:cNvPr>
+          <p:cNvSpPr txBox="1"/>
+          <p:nvPr/>
+        </p:nvSpPr>
+        <p:spPr>
+          <a:xfrm>
+            <a:off x="359325" y="1540123"/>
+            <a:ext cx="1351280" cy="584775"/>
+          </a:xfrm>
+          <a:prstGeom prst="rect">
+            <a:avLst/>
+          </a:prstGeom>
+          <a:noFill/>
+        </p:spPr>
+        <p:txBody>
+          <a:bodyPr wrap="square" rtlCol="0">
+            <a:spAutoFit/>
+          </a:bodyPr>
+          <a:lstStyle/>
+          <a:p>
+            <a:r>
+              <a:rPr lang="ru-RU" sz="3200" dirty="0">
+                <a:solidFill>
+                  <a:srgbClr val="000066"/>
+                </a:solidFill>
+                <a:latin typeface="Times New Roman" panose="02020603050405020304" pitchFamily="18" charset="0"/>
+                <a:cs typeface="Times New Roman" panose="02020603050405020304" pitchFamily="18" charset="0"/>
+              </a:rPr>
+              <a:t>Тесты</a:t>
+            </a:r>
+          </a:p>
+        </p:txBody>
+      </p:sp>
+      <p:cxnSp>
+        <p:nvCxnSpPr>
+          <p:cNvPr id="8" name="Прямая соединительная линия 7">
+            <a:extLst>
+              <a:ext uri="{FF2B5EF4-FFF2-40B4-BE49-F238E27FC236}">
+                <a16:creationId xmlns:a16="http://schemas.microsoft.com/office/drawing/2014/main" id="{7C3784FE-9A63-23FF-E5CB-F48090F5CEC6}"/>
+              </a:ext>
+            </a:extLst>
+          </p:cNvPr>
+          <p:cNvCxnSpPr>
+            <a:cxnSpLocks/>
+          </p:cNvCxnSpPr>
+          <p:nvPr/>
+        </p:nvCxnSpPr>
+        <p:spPr>
+          <a:xfrm>
+            <a:off x="423502" y="1416293"/>
+            <a:ext cx="11344995" cy="0"/>
+          </a:xfrm>
+          <a:prstGeom prst="line">
+            <a:avLst/>
+          </a:prstGeom>
+          <a:ln w="38100">
+            <a:solidFill>
+              <a:srgbClr val="00003A"/>
+            </a:solidFill>
+          </a:ln>
+        </p:spPr>
+        <p:style>
+          <a:lnRef idx="2">
+            <a:schemeClr val="accent1"/>
+          </a:lnRef>
+          <a:fillRef idx="0">
+            <a:schemeClr val="accent1"/>
+          </a:fillRef>
+          <a:effectRef idx="1">
+            <a:schemeClr val="accent1"/>
+          </a:effectRef>
+          <a:fontRef idx="minor">
+            <a:schemeClr val="tx1"/>
+          </a:fontRef>
+        </p:style>
+      </p:cxnSp>
+      <p:graphicFrame>
+        <p:nvGraphicFramePr>
+          <p:cNvPr id="61" name="Таблица 60">
+            <a:extLst>
+              <a:ext uri="{FF2B5EF4-FFF2-40B4-BE49-F238E27FC236}">
+                <a16:creationId xmlns:a16="http://schemas.microsoft.com/office/drawing/2014/main" id="{C3B35055-6D10-FB64-EA7C-746465F72FBD}"/>
+              </a:ext>
+            </a:extLst>
+          </p:cNvPr>
+          <p:cNvGraphicFramePr>
+            <a:graphicFrameLocks noGrp="1"/>
+          </p:cNvGraphicFramePr>
+          <p:nvPr>
+            <p:extLst>
+              <p:ext uri="{D42A27DB-BD31-4B8C-83A1-F6EECF244321}">
+                <p14:modId xmlns:p14="http://schemas.microsoft.com/office/powerpoint/2010/main" val="1819835106"/>
+              </p:ext>
+            </p:extLst>
+          </p:nvPr>
+        </p:nvGraphicFramePr>
+        <p:xfrm>
+          <a:off x="359325" y="2209800"/>
+          <a:ext cx="11473350" cy="2331700"/>
+        </p:xfrm>
+        <a:graphic>
+          <a:graphicData uri="http://schemas.openxmlformats.org/drawingml/2006/table">
+            <a:tbl>
+              <a:tblPr firstRow="1" bandRow="1">
+                <a:effectLst>
+                  <a:outerShdw blurRad="50800" dist="50800" dir="5400000" algn="ctr" rotWithShape="0">
+                    <a:srgbClr val="00003A"/>
+                  </a:outerShdw>
+                </a:effectLst>
+                <a:tableStyleId>{5C22544A-7EE6-4342-B048-85BDC9FD1C3A}</a:tableStyleId>
+              </a:tblPr>
+              <a:tblGrid>
+                <a:gridCol w="1957747">
+                  <a:extLst>
+                    <a:ext uri="{9D8B030D-6E8A-4147-A177-3AD203B41FA5}">
+                      <a16:colId xmlns:a16="http://schemas.microsoft.com/office/drawing/2014/main" val="3443553225"/>
+                    </a:ext>
+                  </a:extLst>
+                </a:gridCol>
+                <a:gridCol w="2631593">
+                  <a:extLst>
+                    <a:ext uri="{9D8B030D-6E8A-4147-A177-3AD203B41FA5}">
+                      <a16:colId xmlns:a16="http://schemas.microsoft.com/office/drawing/2014/main" val="1923419133"/>
+                    </a:ext>
+                  </a:extLst>
+                </a:gridCol>
+                <a:gridCol w="2668376">
+                  <a:extLst>
+                    <a:ext uri="{9D8B030D-6E8A-4147-A177-3AD203B41FA5}">
+                      <a16:colId xmlns:a16="http://schemas.microsoft.com/office/drawing/2014/main" val="679742105"/>
+                    </a:ext>
+                  </a:extLst>
+                </a:gridCol>
+                <a:gridCol w="3622089">
+                  <a:extLst>
+                    <a:ext uri="{9D8B030D-6E8A-4147-A177-3AD203B41FA5}">
+                      <a16:colId xmlns:a16="http://schemas.microsoft.com/office/drawing/2014/main" val="1763342903"/>
+                    </a:ext>
+                  </a:extLst>
+                </a:gridCol>
+                <a:gridCol w="593545">
+                  <a:extLst>
+                    <a:ext uri="{9D8B030D-6E8A-4147-A177-3AD203B41FA5}">
+                      <a16:colId xmlns:a16="http://schemas.microsoft.com/office/drawing/2014/main" val="1652394926"/>
+                    </a:ext>
+                  </a:extLst>
+                </a:gridCol>
+              </a:tblGrid>
+              <a:tr h="582925">
+                <a:tc>
+                  <a:txBody>
+                    <a:bodyPr/>
+                    <a:lstStyle/>
+                    <a:p>
+                      <a:pPr algn="l"/>
+                      <a:r>
+                        <a:rPr lang="ru-RU" sz="2000" dirty="0">
+                          <a:solidFill>
+                            <a:srgbClr val="000066"/>
+                          </a:solidFill>
+                          <a:latin typeface="Times New Roman" panose="02020603050405020304" pitchFamily="18" charset="0"/>
+                          <a:cs typeface="Times New Roman" panose="02020603050405020304" pitchFamily="18" charset="0"/>
+                        </a:rPr>
+                        <a:t>Название</a:t>
+                      </a:r>
+                    </a:p>
+                  </a:txBody>
+                  <a:tcPr>
+                    <a:lnL w="12700" cmpd="sng">
+                      <a:noFill/>
+                    </a:lnL>
+                    <a:lnR w="12700" cmpd="sng">
+                      <a:noFill/>
+                    </a:lnR>
+                    <a:lnT w="12700" cmpd="sng">
+                      <a:noFill/>
+                    </a:lnT>
+                    <a:lnB w="38100" cmpd="sng">
+                      <a:noFill/>
+                    </a:lnB>
+                    <a:lnTlToBr w="12700" cmpd="sng">
+                      <a:noFill/>
+                      <a:prstDash val="solid"/>
+                    </a:lnTlToBr>
+                    <a:lnBlToTr w="12700" cmpd="sng">
+                      <a:noFill/>
+                      <a:prstDash val="solid"/>
+                    </a:lnBlToTr>
+                    <a:noFill/>
+                  </a:tcPr>
+                </a:tc>
+                <a:tc>
+                  <a:txBody>
+                    <a:bodyPr/>
+                    <a:lstStyle/>
+                    <a:p>
+                      <a:pPr algn="l"/>
+                      <a:r>
+                        <a:rPr lang="ru-RU" sz="2000" dirty="0">
+                          <a:solidFill>
+                            <a:srgbClr val="000066"/>
+                          </a:solidFill>
+                          <a:latin typeface="Times New Roman" panose="02020603050405020304" pitchFamily="18" charset="0"/>
+                          <a:cs typeface="Times New Roman" panose="02020603050405020304" pitchFamily="18" charset="0"/>
+                        </a:rPr>
+                        <a:t>Дата прохождения</a:t>
+                      </a:r>
+                    </a:p>
+                  </a:txBody>
+                  <a:tcPr>
+                    <a:lnL w="12700" cmpd="sng">
+                      <a:noFill/>
+                    </a:lnL>
+                    <a:lnR w="12700" cmpd="sng">
+                      <a:noFill/>
+                    </a:lnR>
+                    <a:lnT w="12700" cmpd="sng">
+                      <a:noFill/>
+                    </a:lnT>
+                    <a:lnB w="38100" cmpd="sng">
+                      <a:noFill/>
+                    </a:lnB>
+                    <a:lnTlToBr w="12700" cmpd="sng">
+                      <a:noFill/>
+                      <a:prstDash val="solid"/>
+                    </a:lnTlToBr>
+                    <a:lnBlToTr w="12700" cmpd="sng">
+                      <a:noFill/>
+                      <a:prstDash val="solid"/>
+                    </a:lnBlToTr>
+                    <a:noFill/>
+                  </a:tcPr>
+                </a:tc>
+                <a:tc>
+                  <a:txBody>
+                    <a:bodyPr/>
+                    <a:lstStyle/>
+                    <a:p>
+                      <a:pPr algn="l"/>
+                      <a:r>
+                        <a:rPr lang="ru-RU" sz="2000" dirty="0">
+                          <a:solidFill>
+                            <a:srgbClr val="000066"/>
+                          </a:solidFill>
+                          <a:latin typeface="Times New Roman" panose="02020603050405020304" pitchFamily="18" charset="0"/>
+                          <a:cs typeface="Times New Roman" panose="02020603050405020304" pitchFamily="18" charset="0"/>
+                        </a:rPr>
+                        <a:t>Результат</a:t>
+                      </a:r>
+                    </a:p>
+                  </a:txBody>
+                  <a:tcPr>
+                    <a:lnL w="12700" cmpd="sng">
+                      <a:noFill/>
+                    </a:lnL>
+                    <a:lnR w="12700" cmpd="sng">
+                      <a:noFill/>
+                    </a:lnR>
+                    <a:lnT w="12700" cmpd="sng">
+                      <a:noFill/>
+                    </a:lnT>
+                    <a:lnB w="38100" cmpd="sng">
+                      <a:noFill/>
+                    </a:lnB>
+                    <a:lnTlToBr w="12700" cmpd="sng">
+                      <a:noFill/>
+                      <a:prstDash val="solid"/>
+                    </a:lnTlToBr>
+                    <a:lnBlToTr w="12700" cmpd="sng">
+                      <a:noFill/>
+                      <a:prstDash val="solid"/>
+                    </a:lnBlToTr>
+                    <a:noFill/>
+                  </a:tcPr>
+                </a:tc>
+                <a:tc>
+                  <a:txBody>
+                    <a:bodyPr/>
+                    <a:lstStyle/>
+                    <a:p>
+                      <a:pPr algn="l"/>
+                      <a:endParaRPr lang="ru-RU" sz="2000" dirty="0">
+                        <a:solidFill>
+                          <a:srgbClr val="000066"/>
+                        </a:solidFill>
+                        <a:latin typeface="Times New Roman" panose="02020603050405020304" pitchFamily="18" charset="0"/>
+                        <a:cs typeface="Times New Roman" panose="02020603050405020304" pitchFamily="18" charset="0"/>
+                      </a:endParaRPr>
+                    </a:p>
+                  </a:txBody>
+                  <a:tcPr>
+                    <a:lnL w="12700" cmpd="sng">
+                      <a:noFill/>
+                    </a:lnL>
+                    <a:lnR w="12700" cmpd="sng">
+                      <a:noFill/>
+                    </a:lnR>
+                    <a:lnT w="12700" cmpd="sng">
+                      <a:noFill/>
+                    </a:lnT>
+                    <a:lnB w="38100" cmpd="sng">
+                      <a:noFill/>
+                    </a:lnB>
+                    <a:lnTlToBr w="12700" cmpd="sng">
+                      <a:noFill/>
+                      <a:prstDash val="solid"/>
+                    </a:lnTlToBr>
+                    <a:lnBlToTr w="12700" cmpd="sng">
+                      <a:noFill/>
+                      <a:prstDash val="solid"/>
+                    </a:lnBlToTr>
+                    <a:noFill/>
+                  </a:tcPr>
+                </a:tc>
+                <a:tc>
+                  <a:txBody>
+                    <a:bodyPr/>
+                    <a:lstStyle/>
+                    <a:p>
+                      <a:pPr algn="l"/>
+                      <a:r>
+                        <a:rPr lang="ru-RU" sz="2000" dirty="0">
+                          <a:solidFill>
+                            <a:srgbClr val="000066"/>
+                          </a:solidFill>
+                          <a:latin typeface="Times New Roman" panose="02020603050405020304" pitchFamily="18" charset="0"/>
+                          <a:cs typeface="Times New Roman" panose="02020603050405020304" pitchFamily="18" charset="0"/>
+                        </a:rPr>
+                        <a:t>…</a:t>
+                      </a:r>
+                    </a:p>
+                  </a:txBody>
+                  <a:tcPr>
+                    <a:lnL w="12700" cmpd="sng">
+                      <a:noFill/>
+                    </a:lnL>
+                    <a:lnR w="12700" cmpd="sng">
+                      <a:noFill/>
+                    </a:lnR>
+                    <a:lnT w="12700" cmpd="sng">
+                      <a:noFill/>
+                    </a:lnT>
+                    <a:lnB w="38100" cmpd="sng">
+                      <a:noFill/>
+                    </a:lnB>
+                    <a:lnTlToBr w="12700" cmpd="sng">
+                      <a:noFill/>
+                      <a:prstDash val="solid"/>
+                    </a:lnTlToBr>
+                    <a:lnBlToTr w="12700" cmpd="sng">
+                      <a:noFill/>
+                      <a:prstDash val="solid"/>
+                    </a:lnBlToTr>
+                    <a:noFill/>
+                  </a:tcPr>
+                </a:tc>
+                <a:extLst>
+                  <a:ext uri="{0D108BD9-81ED-4DB2-BD59-A6C34878D82A}">
+                    <a16:rowId xmlns:a16="http://schemas.microsoft.com/office/drawing/2014/main" val="2537070822"/>
+                  </a:ext>
+                </a:extLst>
+              </a:tr>
+              <a:tr h="582925">
+                <a:tc>
+                  <a:txBody>
+                    <a:bodyPr/>
+                    <a:lstStyle/>
+                    <a:p>
+                      <a:pPr algn="l"/>
+                      <a:r>
+                        <a:rPr lang="ru-RU" sz="2000" dirty="0">
+                          <a:solidFill>
+                            <a:srgbClr val="000066"/>
+                          </a:solidFill>
+                          <a:latin typeface="Times New Roman" panose="02020603050405020304" pitchFamily="18" charset="0"/>
+                          <a:cs typeface="Times New Roman" panose="02020603050405020304" pitchFamily="18" charset="0"/>
+                        </a:rPr>
+                        <a:t>Хуй</a:t>
+                      </a:r>
+                    </a:p>
+                  </a:txBody>
+                  <a:tcPr>
+                    <a:lnL w="12700" cmpd="sng">
+                      <a:noFill/>
+                    </a:lnL>
+                    <a:lnR w="12700" cmpd="sng">
+                      <a:noFill/>
+                    </a:lnR>
+                    <a:lnT w="38100" cmpd="sng">
+                      <a:noFill/>
+                    </a:lnT>
+                    <a:lnB w="12700" cmpd="sng">
+                      <a:noFill/>
+                    </a:lnB>
+                    <a:lnTlToBr w="12700" cmpd="sng">
+                      <a:noFill/>
+                      <a:prstDash val="solid"/>
+                    </a:lnTlToBr>
+                    <a:lnBlToTr w="12700" cmpd="sng">
+                      <a:noFill/>
+                      <a:prstDash val="solid"/>
+                    </a:lnBlToTr>
+                    <a:noFill/>
+                  </a:tcPr>
+                </a:tc>
+                <a:tc>
+                  <a:txBody>
+                    <a:bodyPr/>
+                    <a:lstStyle/>
+                    <a:p>
+                      <a:pPr algn="l"/>
+                      <a:r>
+                        <a:rPr lang="ru-RU" sz="2000" dirty="0">
+                          <a:solidFill>
+                            <a:srgbClr val="000066"/>
+                          </a:solidFill>
+                          <a:latin typeface="Times New Roman" panose="02020603050405020304" pitchFamily="18" charset="0"/>
+                          <a:cs typeface="Times New Roman" panose="02020603050405020304" pitchFamily="18" charset="0"/>
+                        </a:rPr>
+                        <a:t>12.03.1122</a:t>
+                      </a:r>
+                    </a:p>
+                  </a:txBody>
+                  <a:tcPr>
+                    <a:lnL w="12700" cmpd="sng">
+                      <a:noFill/>
+                    </a:lnL>
+                    <a:lnR w="12700" cmpd="sng">
+                      <a:noFill/>
+                    </a:lnR>
+                    <a:lnT w="38100" cmpd="sng">
+                      <a:noFill/>
+                    </a:lnT>
+                    <a:lnB w="12700" cmpd="sng">
+                      <a:noFill/>
+                    </a:lnB>
+                    <a:lnTlToBr w="12700" cmpd="sng">
+                      <a:noFill/>
+                      <a:prstDash val="solid"/>
+                    </a:lnTlToBr>
+                    <a:lnBlToTr w="12700" cmpd="sng">
+                      <a:noFill/>
+                      <a:prstDash val="solid"/>
+                    </a:lnBlToTr>
+                    <a:noFill/>
+                  </a:tcPr>
+                </a:tc>
+                <a:tc>
+                  <a:txBody>
+                    <a:bodyPr/>
+                    <a:lstStyle/>
+                    <a:p>
+                      <a:pPr algn="l"/>
+                      <a:r>
+                        <a:rPr lang="ru-RU" sz="2000" dirty="0">
+                          <a:solidFill>
+                            <a:srgbClr val="000066"/>
+                          </a:solidFill>
+                          <a:latin typeface="Times New Roman" panose="02020603050405020304" pitchFamily="18" charset="0"/>
+                          <a:cs typeface="Times New Roman" panose="02020603050405020304" pitchFamily="18" charset="0"/>
+                        </a:rPr>
+                        <a:t>30</a:t>
+                      </a:r>
+                    </a:p>
+                  </a:txBody>
+                  <a:tcPr>
+                    <a:lnL w="12700" cmpd="sng">
+                      <a:noFill/>
+                    </a:lnL>
+                    <a:lnR w="12700" cmpd="sng">
+                      <a:noFill/>
+                    </a:lnR>
+                    <a:lnT w="38100" cmpd="sng">
+                      <a:noFill/>
+                    </a:lnT>
+                    <a:lnB w="12700" cmpd="sng">
+                      <a:noFill/>
+                    </a:lnB>
+                    <a:lnTlToBr w="12700" cmpd="sng">
+                      <a:noFill/>
+                      <a:prstDash val="solid"/>
+                    </a:lnTlToBr>
+                    <a:lnBlToTr w="12700" cmpd="sng">
+                      <a:noFill/>
+                      <a:prstDash val="solid"/>
+                    </a:lnBlToTr>
+                    <a:noFill/>
+                  </a:tcPr>
+                </a:tc>
+                <a:tc>
+                  <a:txBody>
+                    <a:bodyPr/>
+                    <a:lstStyle/>
+                    <a:p>
+                      <a:pPr algn="l"/>
+                      <a:endParaRPr lang="ru-RU" sz="2000" dirty="0">
+                        <a:solidFill>
+                          <a:srgbClr val="000066"/>
+                        </a:solidFill>
+                        <a:latin typeface="Times New Roman" panose="02020603050405020304" pitchFamily="18" charset="0"/>
+                        <a:cs typeface="Times New Roman" panose="02020603050405020304" pitchFamily="18" charset="0"/>
+                      </a:endParaRPr>
+                    </a:p>
+                  </a:txBody>
+                  <a:tcPr>
+                    <a:lnL w="12700" cmpd="sng">
+                      <a:noFill/>
+                    </a:lnL>
+                    <a:lnR w="12700" cmpd="sng">
+                      <a:noFill/>
+                    </a:lnR>
+                    <a:lnT w="38100" cmpd="sng">
+                      <a:noFill/>
+                    </a:lnT>
+                    <a:lnB w="12700" cmpd="sng">
+                      <a:noFill/>
+                    </a:lnB>
+                    <a:lnTlToBr w="12700" cmpd="sng">
+                      <a:noFill/>
+                      <a:prstDash val="solid"/>
+                    </a:lnTlToBr>
+                    <a:lnBlToTr w="12700" cmpd="sng">
+                      <a:noFill/>
+                      <a:prstDash val="solid"/>
+                    </a:lnBlToTr>
+                    <a:noFill/>
+                  </a:tcPr>
+                </a:tc>
+                <a:tc>
+                  <a:txBody>
+                    <a:bodyPr/>
+                    <a:lstStyle/>
+                    <a:p>
+                      <a:pPr algn="l"/>
+                      <a:endParaRPr lang="ru-RU" sz="2000" dirty="0">
+                        <a:solidFill>
+                          <a:srgbClr val="000066"/>
+                        </a:solidFill>
+                        <a:latin typeface="Times New Roman" panose="02020603050405020304" pitchFamily="18" charset="0"/>
+                        <a:cs typeface="Times New Roman" panose="02020603050405020304" pitchFamily="18" charset="0"/>
+                      </a:endParaRPr>
+                    </a:p>
+                  </a:txBody>
+                  <a:tcPr>
+                    <a:lnL w="12700" cmpd="sng">
+                      <a:noFill/>
+                    </a:lnL>
+                    <a:lnR w="12700" cmpd="sng">
+                      <a:noFill/>
+                    </a:lnR>
+                    <a:lnT w="38100" cmpd="sng">
+                      <a:noFill/>
+                    </a:lnT>
+                    <a:lnB w="12700" cmpd="sng">
+                      <a:noFill/>
+                    </a:lnB>
+                    <a:lnTlToBr w="12700" cmpd="sng">
+                      <a:noFill/>
+                      <a:prstDash val="solid"/>
+                    </a:lnTlToBr>
+                    <a:lnBlToTr w="12700" cmpd="sng">
+                      <a:noFill/>
+                      <a:prstDash val="solid"/>
+                    </a:lnBlToTr>
+                    <a:noFill/>
+                  </a:tcPr>
+                </a:tc>
+                <a:extLst>
+                  <a:ext uri="{0D108BD9-81ED-4DB2-BD59-A6C34878D82A}">
+                    <a16:rowId xmlns:a16="http://schemas.microsoft.com/office/drawing/2014/main" val="21322"/>
+                  </a:ext>
+                </a:extLst>
+              </a:tr>
+              <a:tr h="582925">
+                <a:tc>
+                  <a:txBody>
+                    <a:bodyPr/>
+                    <a:lstStyle/>
+                    <a:p>
+                      <a:pPr algn="l"/>
+                      <a:r>
+                        <a:rPr lang="ru-RU" sz="2000" dirty="0">
+                          <a:solidFill>
+                            <a:srgbClr val="000066"/>
+                          </a:solidFill>
+                          <a:latin typeface="Times New Roman" panose="02020603050405020304" pitchFamily="18" charset="0"/>
+                          <a:cs typeface="Times New Roman" panose="02020603050405020304" pitchFamily="18" charset="0"/>
+                        </a:rPr>
+                        <a:t>Незнайка</a:t>
+                      </a:r>
+                    </a:p>
+                  </a:txBody>
+                  <a:tcPr>
+                    <a:lnL w="12700" cmpd="sng">
+                      <a:noFill/>
+                    </a:lnL>
+                    <a:lnR w="12700" cmpd="sng">
+                      <a:noFill/>
+                    </a:lnR>
+                    <a:lnT w="12700" cmpd="sng">
+                      <a:noFill/>
+                    </a:lnT>
+                    <a:lnB w="12700" cmpd="sng">
+                      <a:noFill/>
+                    </a:lnB>
+                    <a:lnTlToBr w="12700" cmpd="sng">
+                      <a:noFill/>
+                      <a:prstDash val="solid"/>
+                    </a:lnTlToBr>
+                    <a:lnBlToTr w="12700" cmpd="sng">
+                      <a:noFill/>
+                      <a:prstDash val="solid"/>
+                    </a:lnBlToTr>
+                    <a:noFill/>
+                  </a:tcPr>
+                </a:tc>
+                <a:tc>
+                  <a:txBody>
+                    <a:bodyPr/>
+                    <a:lstStyle/>
+                    <a:p>
+                      <a:pPr algn="l"/>
+                      <a:r>
+                        <a:rPr lang="ru-RU" sz="2000" dirty="0">
+                          <a:solidFill>
+                            <a:srgbClr val="000066"/>
+                          </a:solidFill>
+                          <a:latin typeface="Times New Roman" panose="02020603050405020304" pitchFamily="18" charset="0"/>
+                          <a:cs typeface="Times New Roman" panose="02020603050405020304" pitchFamily="18" charset="0"/>
+                        </a:rPr>
+                        <a:t>11.11.1111</a:t>
+                      </a:r>
+                    </a:p>
+                  </a:txBody>
+                  <a:tcPr>
+                    <a:lnL w="12700" cmpd="sng">
+                      <a:noFill/>
+                    </a:lnL>
+                    <a:lnR w="12700" cmpd="sng">
+                      <a:noFill/>
+                    </a:lnR>
+                    <a:lnT w="12700" cmpd="sng">
+                      <a:noFill/>
+                    </a:lnT>
+                    <a:lnB w="12700" cmpd="sng">
+                      <a:noFill/>
+                    </a:lnB>
+                    <a:lnTlToBr w="12700" cmpd="sng">
+                      <a:noFill/>
+                      <a:prstDash val="solid"/>
+                    </a:lnTlToBr>
+                    <a:lnBlToTr w="12700" cmpd="sng">
+                      <a:noFill/>
+                      <a:prstDash val="solid"/>
+                    </a:lnBlToTr>
+                    <a:noFill/>
+                  </a:tcPr>
+                </a:tc>
+                <a:tc>
+                  <a:txBody>
+                    <a:bodyPr/>
+                    <a:lstStyle/>
+                    <a:p>
+                      <a:pPr algn="l"/>
+                      <a:r>
+                        <a:rPr lang="ru-RU" sz="2000" dirty="0">
+                          <a:solidFill>
+                            <a:srgbClr val="000066"/>
+                          </a:solidFill>
+                          <a:latin typeface="Times New Roman" panose="02020603050405020304" pitchFamily="18" charset="0"/>
+                          <a:cs typeface="Times New Roman" panose="02020603050405020304" pitchFamily="18" charset="0"/>
+                        </a:rPr>
+                        <a:t>123</a:t>
+                      </a:r>
+                    </a:p>
+                  </a:txBody>
+                  <a:tcPr>
+                    <a:lnL w="12700" cmpd="sng">
+                      <a:noFill/>
+                    </a:lnL>
+                    <a:lnR w="12700" cmpd="sng">
+                      <a:noFill/>
+                    </a:lnR>
+                    <a:lnT w="12700" cmpd="sng">
+                      <a:noFill/>
+                    </a:lnT>
+                    <a:lnB w="12700" cmpd="sng">
+                      <a:noFill/>
+                    </a:lnB>
+                    <a:lnTlToBr w="12700" cmpd="sng">
+                      <a:noFill/>
+                      <a:prstDash val="solid"/>
+                    </a:lnTlToBr>
+                    <a:lnBlToTr w="12700" cmpd="sng">
+                      <a:noFill/>
+                      <a:prstDash val="solid"/>
+                    </a:lnBlToTr>
+                    <a:noFill/>
+                  </a:tcPr>
+                </a:tc>
+                <a:tc>
+                  <a:txBody>
+                    <a:bodyPr/>
+                    <a:lstStyle/>
+                    <a:p>
+                      <a:pPr algn="l"/>
+                      <a:endParaRPr lang="ru-RU" sz="2000">
+                        <a:solidFill>
+                          <a:srgbClr val="000066"/>
+                        </a:solidFill>
+                        <a:latin typeface="Times New Roman" panose="02020603050405020304" pitchFamily="18" charset="0"/>
+                        <a:cs typeface="Times New Roman" panose="02020603050405020304" pitchFamily="18" charset="0"/>
+                      </a:endParaRPr>
+                    </a:p>
+                  </a:txBody>
+                  <a:tcPr>
+                    <a:lnL w="12700" cmpd="sng">
+                      <a:noFill/>
+                    </a:lnL>
+                    <a:lnR w="12700" cmpd="sng">
+                      <a:noFill/>
+                    </a:lnR>
+                    <a:lnT w="12700" cmpd="sng">
+                      <a:noFill/>
+                    </a:lnT>
+                    <a:lnB w="12700" cmpd="sng">
+                      <a:noFill/>
+                    </a:lnB>
+                    <a:lnTlToBr w="12700" cmpd="sng">
+                      <a:noFill/>
+                      <a:prstDash val="solid"/>
+                    </a:lnTlToBr>
+                    <a:lnBlToTr w="12700" cmpd="sng">
+                      <a:noFill/>
+                      <a:prstDash val="solid"/>
+                    </a:lnBlToTr>
+                    <a:noFill/>
+                  </a:tcPr>
+                </a:tc>
+                <a:tc>
+                  <a:txBody>
+                    <a:bodyPr/>
+                    <a:lstStyle/>
+                    <a:p>
+                      <a:pPr algn="l"/>
+                      <a:endParaRPr lang="ru-RU" sz="2000">
+                        <a:solidFill>
+                          <a:srgbClr val="000066"/>
+                        </a:solidFill>
+                        <a:latin typeface="Times New Roman" panose="02020603050405020304" pitchFamily="18" charset="0"/>
+                        <a:cs typeface="Times New Roman" panose="02020603050405020304" pitchFamily="18" charset="0"/>
+                      </a:endParaRPr>
+                    </a:p>
+                  </a:txBody>
+                  <a:tcPr>
+                    <a:lnL w="12700" cmpd="sng">
+                      <a:noFill/>
+                    </a:lnL>
+                    <a:lnR w="12700" cmpd="sng">
+                      <a:noFill/>
+                    </a:lnR>
+                    <a:lnT w="12700" cmpd="sng">
+                      <a:noFill/>
+                    </a:lnT>
+                    <a:lnB w="12700" cmpd="sng">
+                      <a:noFill/>
+                    </a:lnB>
+                    <a:lnTlToBr w="12700" cmpd="sng">
+                      <a:noFill/>
+                      <a:prstDash val="solid"/>
+                    </a:lnTlToBr>
+                    <a:lnBlToTr w="12700" cmpd="sng">
+                      <a:noFill/>
+                      <a:prstDash val="solid"/>
+                    </a:lnBlToTr>
+                    <a:noFill/>
+                  </a:tcPr>
+                </a:tc>
+                <a:extLst>
+                  <a:ext uri="{0D108BD9-81ED-4DB2-BD59-A6C34878D82A}">
+                    <a16:rowId xmlns:a16="http://schemas.microsoft.com/office/drawing/2014/main" val="3556264089"/>
+                  </a:ext>
+                </a:extLst>
+              </a:tr>
+              <a:tr h="582925">
+                <a:tc>
+                  <a:txBody>
+                    <a:bodyPr/>
+                    <a:lstStyle/>
+                    <a:p>
+                      <a:pPr algn="l"/>
+                      <a:endParaRPr lang="ru-RU" sz="2000" dirty="0">
+                        <a:solidFill>
+                          <a:srgbClr val="000066"/>
+                        </a:solidFill>
+                        <a:latin typeface="Times New Roman" panose="02020603050405020304" pitchFamily="18" charset="0"/>
+                        <a:cs typeface="Times New Roman" panose="02020603050405020304" pitchFamily="18" charset="0"/>
+                      </a:endParaRPr>
+                    </a:p>
+                  </a:txBody>
+                  <a:tcPr>
+                    <a:lnL w="12700" cmpd="sng">
+                      <a:noFill/>
+                    </a:lnL>
+                    <a:lnR w="12700" cmpd="sng">
+                      <a:noFill/>
+                    </a:lnR>
+                    <a:lnT w="12700" cmpd="sng">
+                      <a:noFill/>
+                    </a:lnT>
+                    <a:lnB w="12700" cmpd="sng">
+                      <a:noFill/>
+                    </a:lnB>
+                    <a:lnTlToBr w="12700" cmpd="sng">
+                      <a:noFill/>
+                      <a:prstDash val="solid"/>
+                    </a:lnTlToBr>
+                    <a:lnBlToTr w="12700" cmpd="sng">
+                      <a:noFill/>
+                      <a:prstDash val="solid"/>
+                    </a:lnBlToTr>
+                    <a:noFill/>
+                  </a:tcPr>
+                </a:tc>
+                <a:tc>
+                  <a:txBody>
+                    <a:bodyPr/>
+                    <a:lstStyle/>
+                    <a:p>
+                      <a:pPr algn="l"/>
+                      <a:endParaRPr lang="ru-RU" sz="2000" dirty="0">
+                        <a:solidFill>
+                          <a:srgbClr val="000066"/>
+                        </a:solidFill>
+                        <a:latin typeface="Times New Roman" panose="02020603050405020304" pitchFamily="18" charset="0"/>
+                        <a:cs typeface="Times New Roman" panose="02020603050405020304" pitchFamily="18" charset="0"/>
+                      </a:endParaRPr>
+                    </a:p>
+                  </a:txBody>
+                  <a:tcPr>
+                    <a:lnL w="12700" cmpd="sng">
+                      <a:noFill/>
+                    </a:lnL>
+                    <a:lnR w="12700" cmpd="sng">
+                      <a:noFill/>
+                    </a:lnR>
+                    <a:lnT w="12700" cmpd="sng">
+                      <a:noFill/>
+                    </a:lnT>
+                    <a:lnB w="12700" cmpd="sng">
+                      <a:noFill/>
+                    </a:lnB>
+                    <a:lnTlToBr w="12700" cmpd="sng">
+                      <a:noFill/>
+                      <a:prstDash val="solid"/>
+                    </a:lnTlToBr>
+                    <a:lnBlToTr w="12700" cmpd="sng">
+                      <a:noFill/>
+                      <a:prstDash val="solid"/>
+                    </a:lnBlToTr>
+                    <a:noFill/>
+                  </a:tcPr>
+                </a:tc>
+                <a:tc>
+                  <a:txBody>
+                    <a:bodyPr/>
+                    <a:lstStyle/>
+                    <a:p>
+                      <a:pPr algn="l"/>
+                      <a:endParaRPr lang="ru-RU" sz="2000" dirty="0">
+                        <a:solidFill>
+                          <a:srgbClr val="000066"/>
+                        </a:solidFill>
+                        <a:latin typeface="Times New Roman" panose="02020603050405020304" pitchFamily="18" charset="0"/>
+                        <a:cs typeface="Times New Roman" panose="02020603050405020304" pitchFamily="18" charset="0"/>
+                      </a:endParaRPr>
+                    </a:p>
+                  </a:txBody>
+                  <a:tcPr>
+                    <a:lnL w="12700" cmpd="sng">
+                      <a:noFill/>
+                    </a:lnL>
+                    <a:lnR w="12700" cmpd="sng">
+                      <a:noFill/>
+                    </a:lnR>
+                    <a:lnT w="12700" cmpd="sng">
+                      <a:noFill/>
+                    </a:lnT>
+                    <a:lnB w="12700" cmpd="sng">
+                      <a:noFill/>
+                    </a:lnB>
+                    <a:lnTlToBr w="12700" cmpd="sng">
+                      <a:noFill/>
+                      <a:prstDash val="solid"/>
+                    </a:lnTlToBr>
+                    <a:lnBlToTr w="12700" cmpd="sng">
+                      <a:noFill/>
+                      <a:prstDash val="solid"/>
+                    </a:lnBlToTr>
+                    <a:noFill/>
+                  </a:tcPr>
+                </a:tc>
+                <a:tc>
+                  <a:txBody>
+                    <a:bodyPr/>
+                    <a:lstStyle/>
+                    <a:p>
+                      <a:pPr algn="l"/>
+                      <a:endParaRPr lang="ru-RU" sz="2000">
+                        <a:solidFill>
+                          <a:srgbClr val="000066"/>
+                        </a:solidFill>
+                        <a:latin typeface="Times New Roman" panose="02020603050405020304" pitchFamily="18" charset="0"/>
+                        <a:cs typeface="Times New Roman" panose="02020603050405020304" pitchFamily="18" charset="0"/>
+                      </a:endParaRPr>
+                    </a:p>
+                  </a:txBody>
+                  <a:tcPr>
+                    <a:lnL w="12700" cmpd="sng">
+                      <a:noFill/>
+                    </a:lnL>
+                    <a:lnR w="12700" cmpd="sng">
+                      <a:noFill/>
+                    </a:lnR>
+                    <a:lnT w="12700" cmpd="sng">
+                      <a:noFill/>
+                    </a:lnT>
+                    <a:lnB w="12700" cmpd="sng">
+                      <a:noFill/>
+                    </a:lnB>
+                    <a:lnTlToBr w="12700" cmpd="sng">
+                      <a:noFill/>
+                      <a:prstDash val="solid"/>
+                    </a:lnTlToBr>
+                    <a:lnBlToTr w="12700" cmpd="sng">
+                      <a:noFill/>
+                      <a:prstDash val="solid"/>
+                    </a:lnBlToTr>
+                    <a:noFill/>
+                  </a:tcPr>
+                </a:tc>
+                <a:tc>
+                  <a:txBody>
+                    <a:bodyPr/>
+                    <a:lstStyle/>
+                    <a:p>
+                      <a:pPr algn="l"/>
+                      <a:endParaRPr lang="ru-RU" sz="2000" dirty="0">
+                        <a:solidFill>
+                          <a:srgbClr val="000066"/>
+                        </a:solidFill>
+                        <a:latin typeface="Times New Roman" panose="02020603050405020304" pitchFamily="18" charset="0"/>
+                        <a:cs typeface="Times New Roman" panose="02020603050405020304" pitchFamily="18" charset="0"/>
+                      </a:endParaRPr>
+                    </a:p>
+                  </a:txBody>
+                  <a:tcPr>
+                    <a:lnL w="12700" cmpd="sng">
+                      <a:noFill/>
+                    </a:lnL>
+                    <a:lnR w="12700" cmpd="sng">
+                      <a:noFill/>
+                    </a:lnR>
+                    <a:lnT w="12700" cmpd="sng">
+                      <a:noFill/>
+                    </a:lnT>
+                    <a:lnB w="12700" cmpd="sng">
+                      <a:noFill/>
+                    </a:lnB>
+                    <a:lnTlToBr w="12700" cmpd="sng">
+                      <a:noFill/>
+                      <a:prstDash val="solid"/>
+                    </a:lnTlToBr>
+                    <a:lnBlToTr w="12700" cmpd="sng">
+                      <a:noFill/>
+                      <a:prstDash val="solid"/>
+                    </a:lnBlToTr>
+                    <a:noFill/>
+                  </a:tcPr>
+                </a:tc>
+                <a:extLst>
+                  <a:ext uri="{0D108BD9-81ED-4DB2-BD59-A6C34878D82A}">
+                    <a16:rowId xmlns:a16="http://schemas.microsoft.com/office/drawing/2014/main" val="4224174937"/>
+                  </a:ext>
+                </a:extLst>
+              </a:tr>
+            </a:tbl>
+          </a:graphicData>
+        </a:graphic>
+      </p:graphicFrame>
+      <p:sp>
+        <p:nvSpPr>
+          <p:cNvPr id="9" name="Овал 8">
+            <a:extLst>
+              <a:ext uri="{FF2B5EF4-FFF2-40B4-BE49-F238E27FC236}">
+                <a16:creationId xmlns:a16="http://schemas.microsoft.com/office/drawing/2014/main" id="{44664F80-F152-91DD-7314-38F6C90E5BBD}"/>
+              </a:ext>
+            </a:extLst>
+          </p:cNvPr>
+          <p:cNvSpPr/>
+          <p:nvPr/>
+        </p:nvSpPr>
+        <p:spPr>
+          <a:xfrm>
+            <a:off x="11358641" y="71297"/>
+            <a:ext cx="650239" cy="604163"/>
+          </a:xfrm>
+          <a:prstGeom prst="ellipse">
+            <a:avLst/>
+          </a:prstGeom>
+          <a:solidFill>
+            <a:srgbClr val="00003A"/>
+          </a:solidFill>
+        </p:spPr>
+        <p:style>
+          <a:lnRef idx="2">
+            <a:schemeClr val="accent1">
+              <a:shade val="15000"/>
+            </a:schemeClr>
+          </a:lnRef>
+          <a:fillRef idx="1">
+            <a:schemeClr val="accent1"/>
+          </a:fillRef>
+          <a:effectRef idx="0">
+            <a:schemeClr val="accent1"/>
+          </a:effectRef>
+          <a:fontRef idx="minor">
+            <a:schemeClr val="lt1"/>
+          </a:fontRef>
+        </p:style>
+        <p:txBody>
+          <a:bodyPr rtlCol="0" anchor="ctr"/>
+          <a:lstStyle/>
+          <a:p>
+            <a:pPr algn="ctr"/>
+            <a:endParaRPr lang="ru-RU"/>
+          </a:p>
+        </p:txBody>
+      </p:sp>
+      <p:cxnSp>
+        <p:nvCxnSpPr>
+          <p:cNvPr id="10" name="Прямая соединительная линия 9">
+            <a:extLst>
+              <a:ext uri="{FF2B5EF4-FFF2-40B4-BE49-F238E27FC236}">
+                <a16:creationId xmlns:a16="http://schemas.microsoft.com/office/drawing/2014/main" id="{3818AA31-3EAD-A31A-2547-925B852D4B95}"/>
+              </a:ext>
+            </a:extLst>
+          </p:cNvPr>
+          <p:cNvCxnSpPr/>
+          <p:nvPr/>
+        </p:nvCxnSpPr>
+        <p:spPr>
+          <a:xfrm>
+            <a:off x="10748760" y="0"/>
+            <a:ext cx="0" cy="746761"/>
+          </a:xfrm>
+          <a:prstGeom prst="line">
+            <a:avLst/>
+          </a:prstGeom>
+          <a:ln w="38100">
+            <a:solidFill>
+              <a:srgbClr val="00003A"/>
+            </a:solidFill>
+          </a:ln>
+        </p:spPr>
+        <p:style>
+          <a:lnRef idx="2">
+            <a:schemeClr val="accent1"/>
+          </a:lnRef>
+          <a:fillRef idx="0">
+            <a:schemeClr val="accent1"/>
+          </a:fillRef>
+          <a:effectRef idx="1">
+            <a:schemeClr val="accent1"/>
+          </a:effectRef>
+          <a:fontRef idx="minor">
+            <a:schemeClr val="tx1"/>
+          </a:fontRef>
+        </p:style>
+      </p:cxnSp>
+      <p:sp>
+        <p:nvSpPr>
+          <p:cNvPr id="11" name="TextBox 10">
+            <a:extLst>
+              <a:ext uri="{FF2B5EF4-FFF2-40B4-BE49-F238E27FC236}">
+                <a16:creationId xmlns:a16="http://schemas.microsoft.com/office/drawing/2014/main" id="{3C72E6BC-EFC2-A3A3-0DBD-AC1A488B23EE}"/>
+              </a:ext>
+            </a:extLst>
+          </p:cNvPr>
+          <p:cNvSpPr txBox="1"/>
+          <p:nvPr/>
+        </p:nvSpPr>
+        <p:spPr>
+          <a:xfrm>
+            <a:off x="7121899" y="189415"/>
+            <a:ext cx="1603324" cy="461665"/>
+          </a:xfrm>
+          <a:prstGeom prst="rect">
+            <a:avLst/>
+          </a:prstGeom>
+          <a:noFill/>
+        </p:spPr>
+        <p:txBody>
+          <a:bodyPr wrap="none" rtlCol="0">
+            <a:spAutoFit/>
+          </a:bodyPr>
+          <a:lstStyle/>
+          <a:p>
+            <a:r>
+              <a:rPr lang="ru-RU" sz="2400" dirty="0">
+                <a:solidFill>
+                  <a:srgbClr val="DDE8FF"/>
+                </a:solidFill>
+                <a:latin typeface="Times New Roman" panose="02020603050405020304" pitchFamily="18" charset="0"/>
+                <a:cs typeface="Times New Roman" panose="02020603050405020304" pitchFamily="18" charset="0"/>
+              </a:rPr>
+              <a:t>Мои тесты</a:t>
+            </a:r>
+          </a:p>
+        </p:txBody>
+      </p:sp>
+      <p:sp>
+        <p:nvSpPr>
+          <p:cNvPr id="12" name="TextBox 11">
+            <a:extLst>
+              <a:ext uri="{FF2B5EF4-FFF2-40B4-BE49-F238E27FC236}">
+                <a16:creationId xmlns:a16="http://schemas.microsoft.com/office/drawing/2014/main" id="{BA3B32EB-986F-C146-3C34-F396FE9802E4}"/>
+              </a:ext>
+            </a:extLst>
+          </p:cNvPr>
+          <p:cNvSpPr txBox="1"/>
+          <p:nvPr/>
+        </p:nvSpPr>
+        <p:spPr>
+          <a:xfrm>
+            <a:off x="9019903" y="189416"/>
+            <a:ext cx="1159292" cy="461665"/>
+          </a:xfrm>
+          <a:prstGeom prst="rect">
+            <a:avLst/>
+          </a:prstGeom>
+          <a:noFill/>
+        </p:spPr>
+        <p:txBody>
+          <a:bodyPr wrap="none" rtlCol="0">
+            <a:spAutoFit/>
+          </a:bodyPr>
+          <a:lstStyle/>
+          <a:p>
+            <a:r>
+              <a:rPr lang="ru-RU" sz="2400" dirty="0">
+                <a:solidFill>
+                  <a:srgbClr val="DDE8FF"/>
+                </a:solidFill>
+                <a:latin typeface="Times New Roman" panose="02020603050405020304" pitchFamily="18" charset="0"/>
+                <a:cs typeface="Times New Roman" panose="02020603050405020304" pitchFamily="18" charset="0"/>
+              </a:rPr>
+              <a:t>Классы</a:t>
+            </a:r>
+          </a:p>
+        </p:txBody>
+      </p:sp>
+      <p:sp>
+        <p:nvSpPr>
+          <p:cNvPr id="13" name="TextBox 12">
+            <a:extLst>
+              <a:ext uri="{FF2B5EF4-FFF2-40B4-BE49-F238E27FC236}">
+                <a16:creationId xmlns:a16="http://schemas.microsoft.com/office/drawing/2014/main" id="{61934267-097A-F22B-882C-94F6917DDA89}"/>
+              </a:ext>
+            </a:extLst>
+          </p:cNvPr>
+          <p:cNvSpPr txBox="1"/>
+          <p:nvPr/>
+        </p:nvSpPr>
+        <p:spPr>
+          <a:xfrm>
+            <a:off x="10875981" y="127618"/>
+            <a:ext cx="457200" cy="621004"/>
+          </a:xfrm>
+          <a:prstGeom prst="rect">
+            <a:avLst/>
+          </a:prstGeom>
+          <a:noFill/>
+        </p:spPr>
+        <p:txBody>
+          <a:bodyPr wrap="square" rtlCol="0">
+            <a:spAutoFit/>
+          </a:bodyPr>
+          <a:lstStyle/>
+          <a:p>
+            <a:pPr>
+              <a:lnSpc>
+                <a:spcPct val="20000"/>
+              </a:lnSpc>
+            </a:pPr>
+            <a:r>
+              <a:rPr lang="ru-RU" sz="4400" dirty="0"/>
+              <a:t>.</a:t>
+            </a:r>
+          </a:p>
+          <a:p>
+            <a:pPr>
+              <a:lnSpc>
+                <a:spcPct val="20000"/>
+              </a:lnSpc>
+            </a:pPr>
+            <a:r>
+              <a:rPr lang="ru-RU" sz="4400" dirty="0"/>
+              <a:t>.</a:t>
+            </a:r>
+          </a:p>
+          <a:p>
+            <a:pPr>
+              <a:lnSpc>
+                <a:spcPct val="20000"/>
+              </a:lnSpc>
+            </a:pPr>
+            <a:r>
+              <a:rPr lang="ru-RU" sz="4400" dirty="0"/>
+              <a:t>.</a:t>
+            </a:r>
+          </a:p>
+        </p:txBody>
+      </p:sp>
+    </p:spTree>
+    <p:extLst>
+      <p:ext uri="{BB962C8B-B14F-4D97-AF65-F5344CB8AC3E}">
+        <p14:creationId xmlns:p14="http://schemas.microsoft.com/office/powerpoint/2010/main" val="1774943365"/>
+      </p:ext>
+    </p:extLst>
+  </p:cSld>
+  <p:clrMapOvr>
+    <a:masterClrMapping/>
+  </p:clrMapOvr>
+</p:sld>
+</file>
+
+<file path=ppt/slides/slide6.xml><?xml version="1.0" encoding="utf-8"?>
 <p:sld xmlns:a="http://schemas.openxmlformats.org/drawingml/2006/main" xmlns:r="http://schemas.openxmlformats.org/officeDocument/2006/relationships" xmlns:p="http://schemas.openxmlformats.org/presentationml/2006/main">
   <p:cSld>
     <p:spTree>
@@ -9502,7 +12487,7 @@
 </p:sld>
 </file>
 
-<file path=ppt/slides/slide5.xml><?xml version="1.0" encoding="utf-8"?>
+<file path=ppt/slides/slide7.xml><?xml version="1.0" encoding="utf-8"?>
 <p:sld xmlns:a="http://schemas.openxmlformats.org/drawingml/2006/main" xmlns:r="http://schemas.openxmlformats.org/officeDocument/2006/relationships" xmlns:p="http://schemas.openxmlformats.org/presentationml/2006/main">
   <p:cSld>
     <p:spTree>

--- a/DOCS/FelineX.pptx
+++ b/DOCS/FelineX.pptx
@@ -1049,7 +1049,7 @@
           <a:p>
             <a:fld id="{BFE4DC40-4C79-4CA8-AC42-57A04CD00207}" type="datetimeFigureOut">
               <a:rPr lang="ru-RU" smtClean="0"/>
-              <a:t>28.02.2024</a:t>
+              <a:t>04.04.2024</a:t>
             </a:fld>
             <a:endParaRPr lang="ru-RU"/>
           </a:p>
@@ -1247,7 +1247,7 @@
           <a:p>
             <a:fld id="{BFE4DC40-4C79-4CA8-AC42-57A04CD00207}" type="datetimeFigureOut">
               <a:rPr lang="ru-RU" smtClean="0"/>
-              <a:t>28.02.2024</a:t>
+              <a:t>04.04.2024</a:t>
             </a:fld>
             <a:endParaRPr lang="ru-RU"/>
           </a:p>
@@ -1455,7 +1455,7 @@
           <a:p>
             <a:fld id="{BFE4DC40-4C79-4CA8-AC42-57A04CD00207}" type="datetimeFigureOut">
               <a:rPr lang="ru-RU" smtClean="0"/>
-              <a:t>28.02.2024</a:t>
+              <a:t>04.04.2024</a:t>
             </a:fld>
             <a:endParaRPr lang="ru-RU"/>
           </a:p>
@@ -1653,7 +1653,7 @@
           <a:p>
             <a:fld id="{BFE4DC40-4C79-4CA8-AC42-57A04CD00207}" type="datetimeFigureOut">
               <a:rPr lang="ru-RU" smtClean="0"/>
-              <a:t>28.02.2024</a:t>
+              <a:t>04.04.2024</a:t>
             </a:fld>
             <a:endParaRPr lang="ru-RU"/>
           </a:p>
@@ -1928,7 +1928,7 @@
           <a:p>
             <a:fld id="{BFE4DC40-4C79-4CA8-AC42-57A04CD00207}" type="datetimeFigureOut">
               <a:rPr lang="ru-RU" smtClean="0"/>
-              <a:t>28.02.2024</a:t>
+              <a:t>04.04.2024</a:t>
             </a:fld>
             <a:endParaRPr lang="ru-RU"/>
           </a:p>
@@ -2193,7 +2193,7 @@
           <a:p>
             <a:fld id="{BFE4DC40-4C79-4CA8-AC42-57A04CD00207}" type="datetimeFigureOut">
               <a:rPr lang="ru-RU" smtClean="0"/>
-              <a:t>28.02.2024</a:t>
+              <a:t>04.04.2024</a:t>
             </a:fld>
             <a:endParaRPr lang="ru-RU"/>
           </a:p>
@@ -2605,7 +2605,7 @@
           <a:p>
             <a:fld id="{BFE4DC40-4C79-4CA8-AC42-57A04CD00207}" type="datetimeFigureOut">
               <a:rPr lang="ru-RU" smtClean="0"/>
-              <a:t>28.02.2024</a:t>
+              <a:t>04.04.2024</a:t>
             </a:fld>
             <a:endParaRPr lang="ru-RU"/>
           </a:p>
@@ -2746,7 +2746,7 @@
           <a:p>
             <a:fld id="{BFE4DC40-4C79-4CA8-AC42-57A04CD00207}" type="datetimeFigureOut">
               <a:rPr lang="ru-RU" smtClean="0"/>
-              <a:t>28.02.2024</a:t>
+              <a:t>04.04.2024</a:t>
             </a:fld>
             <a:endParaRPr lang="ru-RU"/>
           </a:p>
@@ -2859,7 +2859,7 @@
           <a:p>
             <a:fld id="{BFE4DC40-4C79-4CA8-AC42-57A04CD00207}" type="datetimeFigureOut">
               <a:rPr lang="ru-RU" smtClean="0"/>
-              <a:t>28.02.2024</a:t>
+              <a:t>04.04.2024</a:t>
             </a:fld>
             <a:endParaRPr lang="ru-RU"/>
           </a:p>
@@ -3170,7 +3170,7 @@
           <a:p>
             <a:fld id="{BFE4DC40-4C79-4CA8-AC42-57A04CD00207}" type="datetimeFigureOut">
               <a:rPr lang="ru-RU" smtClean="0"/>
-              <a:t>28.02.2024</a:t>
+              <a:t>04.04.2024</a:t>
             </a:fld>
             <a:endParaRPr lang="ru-RU"/>
           </a:p>
@@ -3458,7 +3458,7 @@
           <a:p>
             <a:fld id="{BFE4DC40-4C79-4CA8-AC42-57A04CD00207}" type="datetimeFigureOut">
               <a:rPr lang="ru-RU" smtClean="0"/>
-              <a:t>28.02.2024</a:t>
+              <a:t>04.04.2024</a:t>
             </a:fld>
             <a:endParaRPr lang="ru-RU"/>
           </a:p>
@@ -3702,7 +3702,7 @@
           <a:p>
             <a:fld id="{BFE4DC40-4C79-4CA8-AC42-57A04CD00207}" type="datetimeFigureOut">
               <a:rPr lang="ru-RU" smtClean="0"/>
-              <a:t>28.02.2024</a:t>
+              <a:t>04.04.2024</a:t>
             </a:fld>
             <a:endParaRPr lang="ru-RU"/>
           </a:p>
@@ -5841,6 +5841,66 @@
               <a:rPr lang="ru-RU" dirty="0"/>
               <a:t>+Текст</a:t>
             </a:r>
+          </a:p>
+        </p:txBody>
+      </p:sp>
+      <p:sp>
+        <p:nvSpPr>
+          <p:cNvPr id="6" name="TextBox 5">
+            <a:extLst>
+              <a:ext uri="{FF2B5EF4-FFF2-40B4-BE49-F238E27FC236}">
+                <a16:creationId xmlns:a16="http://schemas.microsoft.com/office/drawing/2014/main" id="{30D05D27-9EBB-25A5-F3E2-C7195DBA2146}"/>
+              </a:ext>
+            </a:extLst>
+          </p:cNvPr>
+          <p:cNvSpPr txBox="1"/>
+          <p:nvPr/>
+        </p:nvSpPr>
+        <p:spPr>
+          <a:xfrm>
+            <a:off x="651957" y="3429000"/>
+            <a:ext cx="2844247" cy="1477328"/>
+          </a:xfrm>
+          <a:prstGeom prst="rect">
+            <a:avLst/>
+          </a:prstGeom>
+          <a:noFill/>
+        </p:spPr>
+        <p:txBody>
+          <a:bodyPr wrap="square" rtlCol="0">
+            <a:spAutoFit/>
+          </a:bodyPr>
+          <a:lstStyle/>
+          <a:p>
+            <a:r>
+              <a:rPr lang="en-US" dirty="0"/>
+              <a:t>#EFF4FF</a:t>
+            </a:r>
+          </a:p>
+          <a:p>
+            <a:r>
+              <a:rPr lang="en-US" dirty="0"/>
+              <a:t>#DDE8FF</a:t>
+            </a:r>
+          </a:p>
+          <a:p>
+            <a:r>
+              <a:rPr lang="en-US" dirty="0"/>
+              <a:t>#00003A</a:t>
+            </a:r>
+          </a:p>
+          <a:p>
+            <a:r>
+              <a:rPr lang="en-US" dirty="0"/>
+              <a:t>#672C94</a:t>
+            </a:r>
+          </a:p>
+          <a:p>
+            <a:r>
+              <a:rPr lang="en-US" dirty="0"/>
+              <a:t>#00066</a:t>
+            </a:r>
+            <a:endParaRPr lang="ru-RU" dirty="0"/>
           </a:p>
         </p:txBody>
       </p:sp>
